--- a/docs/broslire.pptx
+++ b/docs/broslire.pptx
@@ -254,7 +254,7 @@
           <a:p>
             <a:fld id="{A7073765-D2FF-7440-96F4-69A8AF1F347E}" type="datetimeFigureOut">
               <a:rPr lang="en-US" smtClean="0"/>
-              <a:t>9/2/24</a:t>
+              <a:t>9/11/24</a:t>
             </a:fld>
             <a:endParaRPr lang="en-US"/>
           </a:p>
@@ -424,7 +424,7 @@
           <a:p>
             <a:fld id="{A7073765-D2FF-7440-96F4-69A8AF1F347E}" type="datetimeFigureOut">
               <a:rPr lang="en-US" smtClean="0"/>
-              <a:t>9/2/24</a:t>
+              <a:t>9/11/24</a:t>
             </a:fld>
             <a:endParaRPr lang="en-US"/>
           </a:p>
@@ -604,7 +604,7 @@
           <a:p>
             <a:fld id="{A7073765-D2FF-7440-96F4-69A8AF1F347E}" type="datetimeFigureOut">
               <a:rPr lang="en-US" smtClean="0"/>
-              <a:t>9/2/24</a:t>
+              <a:t>9/11/24</a:t>
             </a:fld>
             <a:endParaRPr lang="en-US"/>
           </a:p>
@@ -774,7 +774,7 @@
           <a:p>
             <a:fld id="{A7073765-D2FF-7440-96F4-69A8AF1F347E}" type="datetimeFigureOut">
               <a:rPr lang="en-US" smtClean="0"/>
-              <a:t>9/2/24</a:t>
+              <a:t>9/11/24</a:t>
             </a:fld>
             <a:endParaRPr lang="en-US"/>
           </a:p>
@@ -1020,7 +1020,7 @@
           <a:p>
             <a:fld id="{A7073765-D2FF-7440-96F4-69A8AF1F347E}" type="datetimeFigureOut">
               <a:rPr lang="en-US" smtClean="0"/>
-              <a:t>9/2/24</a:t>
+              <a:t>9/11/24</a:t>
             </a:fld>
             <a:endParaRPr lang="en-US"/>
           </a:p>
@@ -1252,7 +1252,7 @@
           <a:p>
             <a:fld id="{A7073765-D2FF-7440-96F4-69A8AF1F347E}" type="datetimeFigureOut">
               <a:rPr lang="en-US" smtClean="0"/>
-              <a:t>9/2/24</a:t>
+              <a:t>9/11/24</a:t>
             </a:fld>
             <a:endParaRPr lang="en-US"/>
           </a:p>
@@ -1619,7 +1619,7 @@
           <a:p>
             <a:fld id="{A7073765-D2FF-7440-96F4-69A8AF1F347E}" type="datetimeFigureOut">
               <a:rPr lang="en-US" smtClean="0"/>
-              <a:t>9/2/24</a:t>
+              <a:t>9/11/24</a:t>
             </a:fld>
             <a:endParaRPr lang="en-US"/>
           </a:p>
@@ -1737,7 +1737,7 @@
           <a:p>
             <a:fld id="{A7073765-D2FF-7440-96F4-69A8AF1F347E}" type="datetimeFigureOut">
               <a:rPr lang="en-US" smtClean="0"/>
-              <a:t>9/2/24</a:t>
+              <a:t>9/11/24</a:t>
             </a:fld>
             <a:endParaRPr lang="en-US"/>
           </a:p>
@@ -1832,7 +1832,7 @@
           <a:p>
             <a:fld id="{A7073765-D2FF-7440-96F4-69A8AF1F347E}" type="datetimeFigureOut">
               <a:rPr lang="en-US" smtClean="0"/>
-              <a:t>9/2/24</a:t>
+              <a:t>9/11/24</a:t>
             </a:fld>
             <a:endParaRPr lang="en-US"/>
           </a:p>
@@ -2109,7 +2109,7 @@
           <a:p>
             <a:fld id="{A7073765-D2FF-7440-96F4-69A8AF1F347E}" type="datetimeFigureOut">
               <a:rPr lang="en-US" smtClean="0"/>
-              <a:t>9/2/24</a:t>
+              <a:t>9/11/24</a:t>
             </a:fld>
             <a:endParaRPr lang="en-US"/>
           </a:p>
@@ -2366,7 +2366,7 @@
           <a:p>
             <a:fld id="{A7073765-D2FF-7440-96F4-69A8AF1F347E}" type="datetimeFigureOut">
               <a:rPr lang="en-US" smtClean="0"/>
-              <a:t>9/2/24</a:t>
+              <a:t>9/11/24</a:t>
             </a:fld>
             <a:endParaRPr lang="en-US"/>
           </a:p>
@@ -2579,7 +2579,7 @@
           <a:p>
             <a:fld id="{A7073765-D2FF-7440-96F4-69A8AF1F347E}" type="datetimeFigureOut">
               <a:rPr lang="en-US" smtClean="0"/>
-              <a:t>9/2/24</a:t>
+              <a:t>9/11/24</a:t>
             </a:fld>
             <a:endParaRPr lang="en-US"/>
           </a:p>
@@ -4199,7 +4199,7 @@
                 <a:latin typeface="Calibri Light" panose="020F0302020204030204" pitchFamily="34" charset="0"/>
                 <a:cs typeface="Calibri Light" panose="020F0302020204030204" pitchFamily="34" charset="0"/>
               </a:rPr>
-              <a:t>n = 6</a:t>
+              <a:t>n = 3</a:t>
             </a:r>
           </a:p>
         </p:txBody>
@@ -4306,7 +4306,7 @@
                 <a:latin typeface="Calibri Light" panose="020F0302020204030204" pitchFamily="34" charset="0"/>
                 <a:cs typeface="Calibri Light" panose="020F0302020204030204" pitchFamily="34" charset="0"/>
               </a:rPr>
-              <a:t>n = 110</a:t>
+              <a:t>n = 113</a:t>
             </a:r>
           </a:p>
         </p:txBody>
@@ -4393,7 +4393,7 @@
                 <a:latin typeface="Calibri Light" panose="020F0302020204030204" pitchFamily="34" charset="0"/>
                 <a:cs typeface="Calibri Light" panose="020F0302020204030204" pitchFamily="34" charset="0"/>
               </a:rPr>
-              <a:t>Elsevier (n = 54); IEEE</a:t>
+              <a:t>Elsevier (n = 51); IEEE</a:t>
             </a:r>
           </a:p>
           <a:p>
@@ -4403,7 +4403,7 @@
                 <a:latin typeface="Calibri Light" panose="020F0302020204030204" pitchFamily="34" charset="0"/>
                 <a:cs typeface="Calibri Light" panose="020F0302020204030204" pitchFamily="34" charset="0"/>
               </a:rPr>
-              <a:t>(n = 28); Springer </a:t>
+              <a:t>(n = 25); Springer </a:t>
             </a:r>
           </a:p>
           <a:p>
@@ -4413,7 +4413,7 @@
                 <a:latin typeface="Calibri Light" panose="020F0302020204030204" pitchFamily="34" charset="0"/>
                 <a:cs typeface="Calibri Light" panose="020F0302020204030204" pitchFamily="34" charset="0"/>
               </a:rPr>
-              <a:t>(n = 13); Wiley (n = 14)</a:t>
+              <a:t>(n = 23); Wiley (n = 14)</a:t>
             </a:r>
           </a:p>
         </p:txBody>

--- a/docs/broslire.pptx
+++ b/docs/broslire.pptx
@@ -254,7 +254,7 @@
           <a:p>
             <a:fld id="{A7073765-D2FF-7440-96F4-69A8AF1F347E}" type="datetimeFigureOut">
               <a:rPr lang="en-US" smtClean="0"/>
-              <a:t>9/11/24</a:t>
+              <a:t>10/14/24</a:t>
             </a:fld>
             <a:endParaRPr lang="en-US"/>
           </a:p>
@@ -424,7 +424,7 @@
           <a:p>
             <a:fld id="{A7073765-D2FF-7440-96F4-69A8AF1F347E}" type="datetimeFigureOut">
               <a:rPr lang="en-US" smtClean="0"/>
-              <a:t>9/11/24</a:t>
+              <a:t>10/14/24</a:t>
             </a:fld>
             <a:endParaRPr lang="en-US"/>
           </a:p>
@@ -604,7 +604,7 @@
           <a:p>
             <a:fld id="{A7073765-D2FF-7440-96F4-69A8AF1F347E}" type="datetimeFigureOut">
               <a:rPr lang="en-US" smtClean="0"/>
-              <a:t>9/11/24</a:t>
+              <a:t>10/14/24</a:t>
             </a:fld>
             <a:endParaRPr lang="en-US"/>
           </a:p>
@@ -774,7 +774,7 @@
           <a:p>
             <a:fld id="{A7073765-D2FF-7440-96F4-69A8AF1F347E}" type="datetimeFigureOut">
               <a:rPr lang="en-US" smtClean="0"/>
-              <a:t>9/11/24</a:t>
+              <a:t>10/14/24</a:t>
             </a:fld>
             <a:endParaRPr lang="en-US"/>
           </a:p>
@@ -1020,7 +1020,7 @@
           <a:p>
             <a:fld id="{A7073765-D2FF-7440-96F4-69A8AF1F347E}" type="datetimeFigureOut">
               <a:rPr lang="en-US" smtClean="0"/>
-              <a:t>9/11/24</a:t>
+              <a:t>10/14/24</a:t>
             </a:fld>
             <a:endParaRPr lang="en-US"/>
           </a:p>
@@ -1252,7 +1252,7 @@
           <a:p>
             <a:fld id="{A7073765-D2FF-7440-96F4-69A8AF1F347E}" type="datetimeFigureOut">
               <a:rPr lang="en-US" smtClean="0"/>
-              <a:t>9/11/24</a:t>
+              <a:t>10/14/24</a:t>
             </a:fld>
             <a:endParaRPr lang="en-US"/>
           </a:p>
@@ -1619,7 +1619,7 @@
           <a:p>
             <a:fld id="{A7073765-D2FF-7440-96F4-69A8AF1F347E}" type="datetimeFigureOut">
               <a:rPr lang="en-US" smtClean="0"/>
-              <a:t>9/11/24</a:t>
+              <a:t>10/14/24</a:t>
             </a:fld>
             <a:endParaRPr lang="en-US"/>
           </a:p>
@@ -1737,7 +1737,7 @@
           <a:p>
             <a:fld id="{A7073765-D2FF-7440-96F4-69A8AF1F347E}" type="datetimeFigureOut">
               <a:rPr lang="en-US" smtClean="0"/>
-              <a:t>9/11/24</a:t>
+              <a:t>10/14/24</a:t>
             </a:fld>
             <a:endParaRPr lang="en-US"/>
           </a:p>
@@ -1832,7 +1832,7 @@
           <a:p>
             <a:fld id="{A7073765-D2FF-7440-96F4-69A8AF1F347E}" type="datetimeFigureOut">
               <a:rPr lang="en-US" smtClean="0"/>
-              <a:t>9/11/24</a:t>
+              <a:t>10/14/24</a:t>
             </a:fld>
             <a:endParaRPr lang="en-US"/>
           </a:p>
@@ -2109,7 +2109,7 @@
           <a:p>
             <a:fld id="{A7073765-D2FF-7440-96F4-69A8AF1F347E}" type="datetimeFigureOut">
               <a:rPr lang="en-US" smtClean="0"/>
-              <a:t>9/11/24</a:t>
+              <a:t>10/14/24</a:t>
             </a:fld>
             <a:endParaRPr lang="en-US"/>
           </a:p>
@@ -2366,7 +2366,7 @@
           <a:p>
             <a:fld id="{A7073765-D2FF-7440-96F4-69A8AF1F347E}" type="datetimeFigureOut">
               <a:rPr lang="en-US" smtClean="0"/>
-              <a:t>9/11/24</a:t>
+              <a:t>10/14/24</a:t>
             </a:fld>
             <a:endParaRPr lang="en-US"/>
           </a:p>
@@ -2579,7 +2579,7 @@
           <a:p>
             <a:fld id="{A7073765-D2FF-7440-96F4-69A8AF1F347E}" type="datetimeFigureOut">
               <a:rPr lang="en-US" smtClean="0"/>
-              <a:t>9/11/24</a:t>
+              <a:t>10/14/24</a:t>
             </a:fld>
             <a:endParaRPr lang="en-US"/>
           </a:p>
@@ -3040,12 +3040,12 @@
           <a:p>
             <a:pPr algn="ctr"/>
             <a:r>
-              <a:rPr lang="en-US" sz="1200" b="1" dirty="0">
+              <a:rPr lang="en-US" sz="900" b="1" dirty="0">
                 <a:solidFill>
                   <a:schemeClr val="tx1"/>
                 </a:solidFill>
-                <a:latin typeface="Calibri Light" panose="020F0302020204030204" pitchFamily="34" charset="0"/>
-                <a:cs typeface="Calibri Light" panose="020F0302020204030204" pitchFamily="34" charset="0"/>
+                <a:latin typeface="Times New Roman" panose="02020603050405020304" pitchFamily="18" charset="0"/>
+                <a:cs typeface="Times New Roman" panose="02020603050405020304" pitchFamily="18" charset="0"/>
               </a:rPr>
               <a:t>Identification</a:t>
             </a:r>
@@ -3073,9 +3073,9 @@
             <a:avLst/>
           </a:prstGeom>
           <a:solidFill>
-            <a:schemeClr val="tx2">
-              <a:lumMod val="50000"/>
-              <a:lumOff val="50000"/>
+            <a:schemeClr val="accent4">
+              <a:lumMod val="20000"/>
+              <a:lumOff val="80000"/>
             </a:schemeClr>
           </a:solidFill>
           <a:ln>
@@ -3108,12 +3108,12 @@
           <a:p>
             <a:pPr algn="ctr"/>
             <a:r>
-              <a:rPr lang="en-US" sz="1200" b="1" dirty="0">
+              <a:rPr lang="en-US" sz="900" b="1" dirty="0">
                 <a:solidFill>
                   <a:schemeClr val="tx1"/>
                 </a:solidFill>
-                <a:latin typeface="Calibri Light" panose="020F0302020204030204" pitchFamily="34" charset="0"/>
-                <a:cs typeface="Calibri Light" panose="020F0302020204030204" pitchFamily="34" charset="0"/>
+                <a:latin typeface="Times New Roman" panose="02020603050405020304" pitchFamily="18" charset="0"/>
+                <a:cs typeface="Times New Roman" panose="02020603050405020304" pitchFamily="18" charset="0"/>
               </a:rPr>
               <a:t>Screening</a:t>
             </a:r>
@@ -3141,9 +3141,9 @@
             <a:avLst/>
           </a:prstGeom>
           <a:solidFill>
-            <a:schemeClr val="tx2">
-              <a:lumMod val="50000"/>
-              <a:lumOff val="50000"/>
+            <a:schemeClr val="accent6">
+              <a:lumMod val="20000"/>
+              <a:lumOff val="80000"/>
             </a:schemeClr>
           </a:solidFill>
           <a:ln>
@@ -3176,12 +3176,12 @@
           <a:p>
             <a:pPr algn="ctr"/>
             <a:r>
-              <a:rPr lang="en-US" sz="1200" b="1" dirty="0">
+              <a:rPr lang="en-US" sz="900" b="1" dirty="0">
                 <a:solidFill>
                   <a:schemeClr val="tx1"/>
                 </a:solidFill>
-                <a:latin typeface="Calibri Light" panose="020F0302020204030204" pitchFamily="34" charset="0"/>
-                <a:cs typeface="Calibri Light" panose="020F0302020204030204" pitchFamily="34" charset="0"/>
+                <a:latin typeface="Times New Roman" panose="02020603050405020304" pitchFamily="18" charset="0"/>
+                <a:cs typeface="Times New Roman" panose="02020603050405020304" pitchFamily="18" charset="0"/>
               </a:rPr>
               <a:t>Eligibility</a:t>
             </a:r>
@@ -3209,9 +3209,9 @@
             <a:avLst/>
           </a:prstGeom>
           <a:solidFill>
-            <a:schemeClr val="tx2">
-              <a:lumMod val="50000"/>
-              <a:lumOff val="50000"/>
+            <a:schemeClr val="accent5">
+              <a:lumMod val="20000"/>
+              <a:lumOff val="80000"/>
             </a:schemeClr>
           </a:solidFill>
           <a:ln>
@@ -3244,12 +3244,12 @@
           <a:p>
             <a:pPr algn="ctr"/>
             <a:r>
-              <a:rPr lang="en-US" sz="1200" b="1" dirty="0">
+              <a:rPr lang="en-US" sz="900" b="1" dirty="0">
                 <a:solidFill>
                   <a:schemeClr val="tx1"/>
                 </a:solidFill>
-                <a:latin typeface="Calibri Light" panose="020F0302020204030204" pitchFamily="34" charset="0"/>
-                <a:cs typeface="Calibri Light" panose="020F0302020204030204" pitchFamily="34" charset="0"/>
+                <a:latin typeface="Times New Roman" panose="02020603050405020304" pitchFamily="18" charset="0"/>
+                <a:cs typeface="Times New Roman" panose="02020603050405020304" pitchFamily="18" charset="0"/>
               </a:rPr>
               <a:t>Included</a:t>
             </a:r>
@@ -3450,7 +3450,10 @@
           <a:lstStyle/>
           <a:p>
             <a:pPr algn="ctr"/>
-            <a:endParaRPr lang="en-US"/>
+            <a:endParaRPr lang="en-US" sz="900">
+              <a:latin typeface="Times New Roman" panose="02020603050405020304" pitchFamily="18" charset="0"/>
+              <a:cs typeface="Times New Roman" panose="02020603050405020304" pitchFamily="18" charset="0"/>
+            </a:endParaRPr>
           </a:p>
         </p:txBody>
       </p:sp>
@@ -3469,7 +3472,7 @@
         <p:spPr>
           <a:xfrm>
             <a:off x="2576051" y="617161"/>
-            <a:ext cx="2458065" cy="1015663"/>
+            <a:ext cx="2458065" cy="923330"/>
           </a:xfrm>
           <a:prstGeom prst="rect">
             <a:avLst/>
@@ -3484,9 +3487,9 @@
           <a:p>
             <a:pPr algn="ctr"/>
             <a:r>
-              <a:rPr lang="en-US" sz="1000" dirty="0">
-                <a:latin typeface="Calibri Light" panose="020F0302020204030204" pitchFamily="34" charset="0"/>
-                <a:cs typeface="Calibri Light" panose="020F0302020204030204" pitchFamily="34" charset="0"/>
+              <a:rPr lang="en-US" sz="900" dirty="0">
+                <a:latin typeface="Times New Roman" panose="02020603050405020304" pitchFamily="18" charset="0"/>
+                <a:cs typeface="Times New Roman" panose="02020603050405020304" pitchFamily="18" charset="0"/>
               </a:rPr>
               <a:t>Records identified from databases (Peer reviewed,</a:t>
             </a:r>
@@ -3494,9 +3497,9 @@
           <a:p>
             <a:pPr algn="ctr"/>
             <a:r>
-              <a:rPr lang="en-US" sz="1000" dirty="0">
-                <a:latin typeface="Calibri Light" panose="020F0302020204030204" pitchFamily="34" charset="0"/>
-                <a:cs typeface="Calibri Light" panose="020F0302020204030204" pitchFamily="34" charset="0"/>
+              <a:rPr lang="en-US" sz="900" dirty="0">
+                <a:latin typeface="Times New Roman" panose="02020603050405020304" pitchFamily="18" charset="0"/>
+                <a:cs typeface="Times New Roman" panose="02020603050405020304" pitchFamily="18" charset="0"/>
               </a:rPr>
               <a:t>Keyword, language and year filters applied): </a:t>
             </a:r>
@@ -3504,9 +3507,9 @@
           <a:p>
             <a:pPr algn="ctr"/>
             <a:r>
-              <a:rPr lang="en-US" sz="1000" dirty="0">
-                <a:latin typeface="Calibri Light" panose="020F0302020204030204" pitchFamily="34" charset="0"/>
-                <a:cs typeface="Calibri Light" panose="020F0302020204030204" pitchFamily="34" charset="0"/>
+              <a:rPr lang="en-US" sz="900" dirty="0">
+                <a:latin typeface="Times New Roman" panose="02020603050405020304" pitchFamily="18" charset="0"/>
+                <a:cs typeface="Times New Roman" panose="02020603050405020304" pitchFamily="18" charset="0"/>
               </a:rPr>
               <a:t>Elsevier (n = 62); IEEE (n = 32); Springer (n = 29); Wiley (n = 22),</a:t>
             </a:r>
@@ -3514,9 +3517,9 @@
           <a:p>
             <a:pPr algn="ctr"/>
             <a:r>
-              <a:rPr lang="en-US" sz="1000" dirty="0">
-                <a:latin typeface="Calibri Light" panose="020F0302020204030204" pitchFamily="34" charset="0"/>
-                <a:cs typeface="Calibri Light" panose="020F0302020204030204" pitchFamily="34" charset="0"/>
+              <a:rPr lang="en-US" sz="900" dirty="0">
+                <a:latin typeface="Times New Roman" panose="02020603050405020304" pitchFamily="18" charset="0"/>
+                <a:cs typeface="Times New Roman" panose="02020603050405020304" pitchFamily="18" charset="0"/>
               </a:rPr>
               <a:t>Overall = 145</a:t>
             </a:r>
@@ -3567,7 +3570,10 @@
           <a:lstStyle/>
           <a:p>
             <a:pPr algn="ctr"/>
-            <a:endParaRPr lang="en-US"/>
+            <a:endParaRPr lang="en-US" sz="900">
+              <a:latin typeface="Times New Roman" panose="02020603050405020304" pitchFamily="18" charset="0"/>
+              <a:cs typeface="Times New Roman" panose="02020603050405020304" pitchFamily="18" charset="0"/>
+            </a:endParaRPr>
           </a:p>
         </p:txBody>
       </p:sp>
@@ -3585,8 +3591,8 @@
         </p:nvSpPr>
         <p:spPr>
           <a:xfrm>
-            <a:off x="6154297" y="851525"/>
-            <a:ext cx="2053767" cy="707886"/>
+            <a:off x="6252080" y="851525"/>
+            <a:ext cx="1858202" cy="646331"/>
           </a:xfrm>
           <a:prstGeom prst="rect">
             <a:avLst/>
@@ -3601,9 +3607,9 @@
           <a:p>
             <a:pPr algn="ctr"/>
             <a:r>
-              <a:rPr lang="en-US" sz="1000" dirty="0">
-                <a:latin typeface="Calibri Light" panose="020F0302020204030204" pitchFamily="34" charset="0"/>
-                <a:cs typeface="Calibri Light" panose="020F0302020204030204" pitchFamily="34" charset="0"/>
+              <a:rPr lang="en-US" sz="900" dirty="0">
+                <a:latin typeface="Times New Roman" panose="02020603050405020304" pitchFamily="18" charset="0"/>
+                <a:cs typeface="Times New Roman" panose="02020603050405020304" pitchFamily="18" charset="0"/>
               </a:rPr>
               <a:t>Records Removed before screening </a:t>
             </a:r>
@@ -3611,9 +3617,9 @@
           <a:p>
             <a:pPr algn="ctr"/>
             <a:r>
-              <a:rPr lang="en-US" sz="1000" dirty="0">
-                <a:latin typeface="Calibri Light" panose="020F0302020204030204" pitchFamily="34" charset="0"/>
-                <a:cs typeface="Calibri Light" panose="020F0302020204030204" pitchFamily="34" charset="0"/>
+              <a:rPr lang="en-US" sz="900" dirty="0">
+                <a:latin typeface="Times New Roman" panose="02020603050405020304" pitchFamily="18" charset="0"/>
+                <a:cs typeface="Times New Roman" panose="02020603050405020304" pitchFamily="18" charset="0"/>
               </a:rPr>
               <a:t>(Review Articles, book chapters,</a:t>
             </a:r>
@@ -3621,9 +3627,9 @@
           <a:p>
             <a:pPr algn="ctr"/>
             <a:r>
-              <a:rPr lang="en-US" sz="1000" dirty="0">
-                <a:latin typeface="Calibri Light" panose="020F0302020204030204" pitchFamily="34" charset="0"/>
-                <a:cs typeface="Calibri Light" panose="020F0302020204030204" pitchFamily="34" charset="0"/>
+              <a:rPr lang="en-US" sz="900" dirty="0">
+                <a:latin typeface="Times New Roman" panose="02020603050405020304" pitchFamily="18" charset="0"/>
+                <a:cs typeface="Times New Roman" panose="02020603050405020304" pitchFamily="18" charset="0"/>
               </a:rPr>
               <a:t>Editorial, Software publication):</a:t>
             </a:r>
@@ -3631,9 +3637,9 @@
           <a:p>
             <a:pPr algn="ctr"/>
             <a:r>
-              <a:rPr lang="en-US" sz="1000" dirty="0">
-                <a:latin typeface="Calibri Light" panose="020F0302020204030204" pitchFamily="34" charset="0"/>
-                <a:cs typeface="Calibri Light" panose="020F0302020204030204" pitchFamily="34" charset="0"/>
+              <a:rPr lang="en-US" sz="900" dirty="0">
+                <a:latin typeface="Times New Roman" panose="02020603050405020304" pitchFamily="18" charset="0"/>
+                <a:cs typeface="Times New Roman" panose="02020603050405020304" pitchFamily="18" charset="0"/>
               </a:rPr>
               <a:t>n = 21</a:t>
             </a:r>
@@ -3684,7 +3690,10 @@
           <a:lstStyle/>
           <a:p>
             <a:pPr algn="ctr"/>
-            <a:endParaRPr lang="en-US"/>
+            <a:endParaRPr lang="en-US" sz="900">
+              <a:latin typeface="Times New Roman" panose="02020603050405020304" pitchFamily="18" charset="0"/>
+              <a:cs typeface="Times New Roman" panose="02020603050405020304" pitchFamily="18" charset="0"/>
+            </a:endParaRPr>
           </a:p>
         </p:txBody>
       </p:sp>
@@ -3703,7 +3712,7 @@
         <p:spPr>
           <a:xfrm>
             <a:off x="2793207" y="1926505"/>
-            <a:ext cx="1116217" cy="707886"/>
+            <a:ext cx="1116217" cy="646331"/>
           </a:xfrm>
           <a:prstGeom prst="rect">
             <a:avLst/>
@@ -3718,9 +3727,9 @@
           <a:p>
             <a:pPr algn="ctr"/>
             <a:r>
-              <a:rPr lang="en-US" sz="1000" dirty="0">
-                <a:latin typeface="Calibri Light" panose="020F0302020204030204" pitchFamily="34" charset="0"/>
-                <a:cs typeface="Calibri Light" panose="020F0302020204030204" pitchFamily="34" charset="0"/>
+              <a:rPr lang="en-US" sz="900" dirty="0">
+                <a:latin typeface="Times New Roman" panose="02020603050405020304" pitchFamily="18" charset="0"/>
+                <a:cs typeface="Times New Roman" panose="02020603050405020304" pitchFamily="18" charset="0"/>
               </a:rPr>
               <a:t>Articles screened by title </a:t>
             </a:r>
@@ -3728,9 +3737,9 @@
           <a:p>
             <a:pPr algn="ctr"/>
             <a:r>
-              <a:rPr lang="en-US" sz="1000" dirty="0">
-                <a:latin typeface="Calibri Light" panose="020F0302020204030204" pitchFamily="34" charset="0"/>
-                <a:cs typeface="Calibri Light" panose="020F0302020204030204" pitchFamily="34" charset="0"/>
+              <a:rPr lang="en-US" sz="900" dirty="0">
+                <a:latin typeface="Times New Roman" panose="02020603050405020304" pitchFamily="18" charset="0"/>
+                <a:cs typeface="Times New Roman" panose="02020603050405020304" pitchFamily="18" charset="0"/>
               </a:rPr>
               <a:t>and abstract :</a:t>
             </a:r>
@@ -3738,9 +3747,9 @@
           <a:p>
             <a:pPr algn="ctr"/>
             <a:r>
-              <a:rPr lang="en-US" sz="1000" dirty="0">
-                <a:latin typeface="Calibri Light" panose="020F0302020204030204" pitchFamily="34" charset="0"/>
-                <a:cs typeface="Calibri Light" panose="020F0302020204030204" pitchFamily="34" charset="0"/>
+              <a:rPr lang="en-US" sz="900" dirty="0">
+                <a:latin typeface="Times New Roman" panose="02020603050405020304" pitchFamily="18" charset="0"/>
+                <a:cs typeface="Times New Roman" panose="02020603050405020304" pitchFamily="18" charset="0"/>
               </a:rPr>
               <a:t>n = 123</a:t>
             </a:r>
@@ -3791,7 +3800,10 @@
           <a:lstStyle/>
           <a:p>
             <a:pPr algn="ctr"/>
-            <a:endParaRPr lang="en-US"/>
+            <a:endParaRPr lang="en-US" sz="900">
+              <a:latin typeface="Times New Roman" panose="02020603050405020304" pitchFamily="18" charset="0"/>
+              <a:cs typeface="Times New Roman" panose="02020603050405020304" pitchFamily="18" charset="0"/>
+            </a:endParaRPr>
           </a:p>
         </p:txBody>
       </p:sp>
@@ -3809,8 +3821,8 @@
         </p:nvSpPr>
         <p:spPr>
           <a:xfrm>
-            <a:off x="4604628" y="1946547"/>
-            <a:ext cx="1252266" cy="707886"/>
+            <a:off x="4673557" y="1946547"/>
+            <a:ext cx="1114408" cy="646331"/>
           </a:xfrm>
           <a:prstGeom prst="rect">
             <a:avLst/>
@@ -3825,9 +3837,9 @@
           <a:p>
             <a:pPr algn="ctr"/>
             <a:r>
-              <a:rPr lang="en-US" sz="1000" dirty="0">
-                <a:latin typeface="Calibri Light" panose="020F0302020204030204" pitchFamily="34" charset="0"/>
-                <a:cs typeface="Calibri Light" panose="020F0302020204030204" pitchFamily="34" charset="0"/>
+              <a:rPr lang="en-US" sz="900" dirty="0">
+                <a:latin typeface="Times New Roman" panose="02020603050405020304" pitchFamily="18" charset="0"/>
+                <a:cs typeface="Times New Roman" panose="02020603050405020304" pitchFamily="18" charset="0"/>
               </a:rPr>
               <a:t>Articles excluded </a:t>
             </a:r>
@@ -3835,9 +3847,9 @@
           <a:p>
             <a:pPr algn="ctr"/>
             <a:r>
-              <a:rPr lang="en-US" sz="1000" dirty="0">
-                <a:latin typeface="Calibri Light" panose="020F0302020204030204" pitchFamily="34" charset="0"/>
-                <a:cs typeface="Calibri Light" panose="020F0302020204030204" pitchFamily="34" charset="0"/>
+              <a:rPr lang="en-US" sz="900" dirty="0">
+                <a:latin typeface="Times New Roman" panose="02020603050405020304" pitchFamily="18" charset="0"/>
+                <a:cs typeface="Times New Roman" panose="02020603050405020304" pitchFamily="18" charset="0"/>
               </a:rPr>
               <a:t>(scope, method, and</a:t>
             </a:r>
@@ -3845,9 +3857,9 @@
           <a:p>
             <a:pPr algn="ctr"/>
             <a:r>
-              <a:rPr lang="en-US" sz="1000" dirty="0">
-                <a:latin typeface="Calibri Light" panose="020F0302020204030204" pitchFamily="34" charset="0"/>
-                <a:cs typeface="Calibri Light" panose="020F0302020204030204" pitchFamily="34" charset="0"/>
+              <a:rPr lang="en-US" sz="900" dirty="0">
+                <a:latin typeface="Times New Roman" panose="02020603050405020304" pitchFamily="18" charset="0"/>
+                <a:cs typeface="Times New Roman" panose="02020603050405020304" pitchFamily="18" charset="0"/>
               </a:rPr>
               <a:t>Application area):</a:t>
             </a:r>
@@ -3855,9 +3867,9 @@
           <a:p>
             <a:pPr algn="ctr"/>
             <a:r>
-              <a:rPr lang="en-US" sz="1000" dirty="0">
-                <a:latin typeface="Calibri Light" panose="020F0302020204030204" pitchFamily="34" charset="0"/>
-                <a:cs typeface="Calibri Light" panose="020F0302020204030204" pitchFamily="34" charset="0"/>
+              <a:rPr lang="en-US" sz="900" dirty="0">
+                <a:latin typeface="Times New Roman" panose="02020603050405020304" pitchFamily="18" charset="0"/>
+                <a:cs typeface="Times New Roman" panose="02020603050405020304" pitchFamily="18" charset="0"/>
               </a:rPr>
               <a:t>n = 7</a:t>
             </a:r>
@@ -3908,7 +3920,10 @@
           <a:lstStyle/>
           <a:p>
             <a:pPr algn="ctr"/>
-            <a:endParaRPr lang="en-US"/>
+            <a:endParaRPr lang="en-US" sz="900">
+              <a:latin typeface="Times New Roman" panose="02020603050405020304" pitchFamily="18" charset="0"/>
+              <a:cs typeface="Times New Roman" panose="02020603050405020304" pitchFamily="18" charset="0"/>
+            </a:endParaRPr>
           </a:p>
         </p:txBody>
       </p:sp>
@@ -3927,7 +3942,7 @@
         <p:spPr>
           <a:xfrm>
             <a:off x="6386474" y="1895457"/>
-            <a:ext cx="1895333" cy="861774"/>
+            <a:ext cx="1895333" cy="784830"/>
           </a:xfrm>
           <a:prstGeom prst="rect">
             <a:avLst/>
@@ -3942,9 +3957,9 @@
           <a:p>
             <a:pPr algn="ctr"/>
             <a:r>
-              <a:rPr lang="en-US" sz="1000" dirty="0">
-                <a:latin typeface="Calibri Light" panose="020F0302020204030204" pitchFamily="34" charset="0"/>
-                <a:cs typeface="Calibri Light" panose="020F0302020204030204" pitchFamily="34" charset="0"/>
+              <a:rPr lang="en-US" sz="900" dirty="0">
+                <a:latin typeface="Times New Roman" panose="02020603050405020304" pitchFamily="18" charset="0"/>
+                <a:cs typeface="Times New Roman" panose="02020603050405020304" pitchFamily="18" charset="0"/>
               </a:rPr>
               <a:t>Exclusion Criteria:</a:t>
             </a:r>
@@ -3955,9 +3970,9 @@
               <a:buChar char="•"/>
             </a:pPr>
             <a:r>
-              <a:rPr lang="en-US" sz="1000" dirty="0">
-                <a:latin typeface="Calibri Light" panose="020F0302020204030204" pitchFamily="34" charset="0"/>
-                <a:cs typeface="Calibri Light" panose="020F0302020204030204" pitchFamily="34" charset="0"/>
+              <a:rPr lang="en-US" sz="900" dirty="0">
+                <a:latin typeface="Times New Roman" panose="02020603050405020304" pitchFamily="18" charset="0"/>
+                <a:cs typeface="Times New Roman" panose="02020603050405020304" pitchFamily="18" charset="0"/>
               </a:rPr>
               <a:t>Duplicated papers</a:t>
             </a:r>
@@ -3968,9 +3983,9 @@
               <a:buChar char="•"/>
             </a:pPr>
             <a:r>
-              <a:rPr lang="en-US" sz="1000" dirty="0">
-                <a:latin typeface="Calibri Light" panose="020F0302020204030204" pitchFamily="34" charset="0"/>
-                <a:cs typeface="Calibri Light" panose="020F0302020204030204" pitchFamily="34" charset="0"/>
+              <a:rPr lang="en-US" sz="900" dirty="0">
+                <a:latin typeface="Times New Roman" panose="02020603050405020304" pitchFamily="18" charset="0"/>
+                <a:cs typeface="Times New Roman" panose="02020603050405020304" pitchFamily="18" charset="0"/>
               </a:rPr>
               <a:t>Unrelated broadband</a:t>
             </a:r>
@@ -3981,9 +3996,9 @@
               <a:buChar char="•"/>
             </a:pPr>
             <a:r>
-              <a:rPr lang="en-US" sz="1000" dirty="0">
-                <a:latin typeface="Calibri Light" panose="020F0302020204030204" pitchFamily="34" charset="0"/>
-                <a:cs typeface="Calibri Light" panose="020F0302020204030204" pitchFamily="34" charset="0"/>
+              <a:rPr lang="en-US" sz="900" dirty="0">
+                <a:latin typeface="Times New Roman" panose="02020603050405020304" pitchFamily="18" charset="0"/>
+                <a:cs typeface="Times New Roman" panose="02020603050405020304" pitchFamily="18" charset="0"/>
               </a:rPr>
               <a:t>No mention of benefits of broadband</a:t>
             </a:r>
@@ -4034,7 +4049,10 @@
           <a:lstStyle/>
           <a:p>
             <a:pPr algn="ctr"/>
-            <a:endParaRPr lang="en-US"/>
+            <a:endParaRPr lang="en-US" sz="900">
+              <a:latin typeface="Times New Roman" panose="02020603050405020304" pitchFamily="18" charset="0"/>
+              <a:cs typeface="Times New Roman" panose="02020603050405020304" pitchFamily="18" charset="0"/>
+            </a:endParaRPr>
           </a:p>
         </p:txBody>
       </p:sp>
@@ -4053,7 +4071,7 @@
         <p:spPr>
           <a:xfrm>
             <a:off x="2554836" y="3639314"/>
-            <a:ext cx="1600598" cy="553998"/>
+            <a:ext cx="1600598" cy="507831"/>
           </a:xfrm>
           <a:prstGeom prst="rect">
             <a:avLst/>
@@ -4068,9 +4086,9 @@
           <a:p>
             <a:pPr algn="ctr"/>
             <a:r>
-              <a:rPr lang="en-US" sz="1000" dirty="0">
-                <a:latin typeface="Calibri Light" panose="020F0302020204030204" pitchFamily="34" charset="0"/>
-                <a:cs typeface="Calibri Light" panose="020F0302020204030204" pitchFamily="34" charset="0"/>
+              <a:rPr lang="en-US" sz="900" dirty="0">
+                <a:latin typeface="Times New Roman" panose="02020603050405020304" pitchFamily="18" charset="0"/>
+                <a:cs typeface="Times New Roman" panose="02020603050405020304" pitchFamily="18" charset="0"/>
               </a:rPr>
               <a:t>Full-text Articles assessed</a:t>
             </a:r>
@@ -4078,9 +4096,9 @@
           <a:p>
             <a:pPr algn="ctr"/>
             <a:r>
-              <a:rPr lang="en-US" sz="1000" dirty="0">
-                <a:latin typeface="Calibri Light" panose="020F0302020204030204" pitchFamily="34" charset="0"/>
-                <a:cs typeface="Calibri Light" panose="020F0302020204030204" pitchFamily="34" charset="0"/>
+              <a:rPr lang="en-US" sz="900" dirty="0">
+                <a:latin typeface="Times New Roman" panose="02020603050405020304" pitchFamily="18" charset="0"/>
+                <a:cs typeface="Times New Roman" panose="02020603050405020304" pitchFamily="18" charset="0"/>
               </a:rPr>
               <a:t>For eligibility:</a:t>
             </a:r>
@@ -4088,9 +4106,9 @@
           <a:p>
             <a:pPr algn="ctr"/>
             <a:r>
-              <a:rPr lang="en-US" sz="1000" dirty="0">
-                <a:latin typeface="Calibri Light" panose="020F0302020204030204" pitchFamily="34" charset="0"/>
-                <a:cs typeface="Calibri Light" panose="020F0302020204030204" pitchFamily="34" charset="0"/>
+              <a:rPr lang="en-US" sz="900" dirty="0">
+                <a:latin typeface="Times New Roman" panose="02020603050405020304" pitchFamily="18" charset="0"/>
+                <a:cs typeface="Times New Roman" panose="02020603050405020304" pitchFamily="18" charset="0"/>
               </a:rPr>
               <a:t>n = 116</a:t>
             </a:r>
@@ -4141,7 +4159,10 @@
           <a:lstStyle/>
           <a:p>
             <a:pPr algn="ctr"/>
-            <a:endParaRPr lang="en-US"/>
+            <a:endParaRPr lang="en-US" sz="900">
+              <a:latin typeface="Times New Roman" panose="02020603050405020304" pitchFamily="18" charset="0"/>
+              <a:cs typeface="Times New Roman" panose="02020603050405020304" pitchFamily="18" charset="0"/>
+            </a:endParaRPr>
           </a:p>
         </p:txBody>
       </p:sp>
@@ -4160,7 +4181,7 @@
         <p:spPr>
           <a:xfrm>
             <a:off x="6535029" y="3584357"/>
-            <a:ext cx="1600598" cy="553998"/>
+            <a:ext cx="1600598" cy="507831"/>
           </a:xfrm>
           <a:prstGeom prst="rect">
             <a:avLst/>
@@ -4175,9 +4196,9 @@
           <a:p>
             <a:pPr algn="ctr"/>
             <a:r>
-              <a:rPr lang="en-US" sz="1000" dirty="0">
-                <a:latin typeface="Calibri Light" panose="020F0302020204030204" pitchFamily="34" charset="0"/>
-                <a:cs typeface="Calibri Light" panose="020F0302020204030204" pitchFamily="34" charset="0"/>
+              <a:rPr lang="en-US" sz="900" dirty="0">
+                <a:latin typeface="Times New Roman" panose="02020603050405020304" pitchFamily="18" charset="0"/>
+                <a:cs typeface="Times New Roman" panose="02020603050405020304" pitchFamily="18" charset="0"/>
               </a:rPr>
               <a:t>Full-text non-available and</a:t>
             </a:r>
@@ -4185,9 +4206,9 @@
           <a:p>
             <a:pPr algn="ctr"/>
             <a:r>
-              <a:rPr lang="en-US" sz="1000" dirty="0">
-                <a:latin typeface="Calibri Light" panose="020F0302020204030204" pitchFamily="34" charset="0"/>
-                <a:cs typeface="Calibri Light" panose="020F0302020204030204" pitchFamily="34" charset="0"/>
+              <a:rPr lang="en-US" sz="900" dirty="0">
+                <a:latin typeface="Times New Roman" panose="02020603050405020304" pitchFamily="18" charset="0"/>
+                <a:cs typeface="Times New Roman" panose="02020603050405020304" pitchFamily="18" charset="0"/>
               </a:rPr>
               <a:t>Therefore excluded:</a:t>
             </a:r>
@@ -4195,9 +4216,9 @@
           <a:p>
             <a:pPr algn="ctr"/>
             <a:r>
-              <a:rPr lang="en-US" sz="1000" dirty="0">
-                <a:latin typeface="Calibri Light" panose="020F0302020204030204" pitchFamily="34" charset="0"/>
-                <a:cs typeface="Calibri Light" panose="020F0302020204030204" pitchFamily="34" charset="0"/>
+              <a:rPr lang="en-US" sz="900" dirty="0">
+                <a:latin typeface="Times New Roman" panose="02020603050405020304" pitchFamily="18" charset="0"/>
+                <a:cs typeface="Times New Roman" panose="02020603050405020304" pitchFamily="18" charset="0"/>
               </a:rPr>
               <a:t>n = 3</a:t>
             </a:r>
@@ -4248,7 +4269,10 @@
           <a:lstStyle/>
           <a:p>
             <a:pPr algn="ctr"/>
-            <a:endParaRPr lang="en-US"/>
+            <a:endParaRPr lang="en-US" sz="900">
+              <a:latin typeface="Times New Roman" panose="02020603050405020304" pitchFamily="18" charset="0"/>
+              <a:cs typeface="Times New Roman" panose="02020603050405020304" pitchFamily="18" charset="0"/>
+            </a:endParaRPr>
           </a:p>
         </p:txBody>
       </p:sp>
@@ -4267,7 +4291,7 @@
         <p:spPr>
           <a:xfrm>
             <a:off x="2535801" y="5214495"/>
-            <a:ext cx="1600598" cy="553998"/>
+            <a:ext cx="1600598" cy="507831"/>
           </a:xfrm>
           <a:prstGeom prst="rect">
             <a:avLst/>
@@ -4282,9 +4306,9 @@
           <a:p>
             <a:pPr algn="ctr"/>
             <a:r>
-              <a:rPr lang="en-US" sz="1000" dirty="0">
-                <a:latin typeface="Calibri Light" panose="020F0302020204030204" pitchFamily="34" charset="0"/>
-                <a:cs typeface="Calibri Light" panose="020F0302020204030204" pitchFamily="34" charset="0"/>
+              <a:rPr lang="en-US" sz="900" dirty="0">
+                <a:latin typeface="Times New Roman" panose="02020603050405020304" pitchFamily="18" charset="0"/>
+                <a:cs typeface="Times New Roman" panose="02020603050405020304" pitchFamily="18" charset="0"/>
               </a:rPr>
               <a:t>Articles included in the</a:t>
             </a:r>
@@ -4292,9 +4316,9 @@
           <a:p>
             <a:pPr algn="ctr"/>
             <a:r>
-              <a:rPr lang="en-US" sz="1000" dirty="0">
-                <a:latin typeface="Calibri Light" panose="020F0302020204030204" pitchFamily="34" charset="0"/>
-                <a:cs typeface="Calibri Light" panose="020F0302020204030204" pitchFamily="34" charset="0"/>
+              <a:rPr lang="en-US" sz="900" dirty="0">
+                <a:latin typeface="Times New Roman" panose="02020603050405020304" pitchFamily="18" charset="0"/>
+                <a:cs typeface="Times New Roman" panose="02020603050405020304" pitchFamily="18" charset="0"/>
               </a:rPr>
               <a:t>review:</a:t>
             </a:r>
@@ -4302,9 +4326,9 @@
           <a:p>
             <a:pPr algn="ctr"/>
             <a:r>
-              <a:rPr lang="en-US" sz="1000" dirty="0">
-                <a:latin typeface="Calibri Light" panose="020F0302020204030204" pitchFamily="34" charset="0"/>
-                <a:cs typeface="Calibri Light" panose="020F0302020204030204" pitchFamily="34" charset="0"/>
+              <a:rPr lang="en-US" sz="900" dirty="0">
+                <a:latin typeface="Times New Roman" panose="02020603050405020304" pitchFamily="18" charset="0"/>
+                <a:cs typeface="Times New Roman" panose="02020603050405020304" pitchFamily="18" charset="0"/>
               </a:rPr>
               <a:t>n = 113</a:t>
             </a:r>
@@ -4355,7 +4379,10 @@
           <a:lstStyle/>
           <a:p>
             <a:pPr algn="ctr"/>
-            <a:endParaRPr lang="en-US"/>
+            <a:endParaRPr lang="en-US" sz="900">
+              <a:latin typeface="Times New Roman" panose="02020603050405020304" pitchFamily="18" charset="0"/>
+              <a:cs typeface="Times New Roman" panose="02020603050405020304" pitchFamily="18" charset="0"/>
+            </a:endParaRPr>
           </a:p>
         </p:txBody>
       </p:sp>
@@ -4374,7 +4401,7 @@
         <p:spPr>
           <a:xfrm>
             <a:off x="6480220" y="5139303"/>
-            <a:ext cx="1600598" cy="553998"/>
+            <a:ext cx="1600598" cy="507831"/>
           </a:xfrm>
           <a:prstGeom prst="rect">
             <a:avLst/>
@@ -4389,9 +4416,9 @@
           <a:p>
             <a:pPr algn="ctr"/>
             <a:r>
-              <a:rPr lang="en-US" sz="1000" dirty="0">
-                <a:latin typeface="Calibri Light" panose="020F0302020204030204" pitchFamily="34" charset="0"/>
-                <a:cs typeface="Calibri Light" panose="020F0302020204030204" pitchFamily="34" charset="0"/>
+              <a:rPr lang="en-US" sz="900" dirty="0">
+                <a:latin typeface="Times New Roman" panose="02020603050405020304" pitchFamily="18" charset="0"/>
+                <a:cs typeface="Times New Roman" panose="02020603050405020304" pitchFamily="18" charset="0"/>
               </a:rPr>
               <a:t>Elsevier (n = 51); IEEE</a:t>
             </a:r>
@@ -4399,9 +4426,9 @@
           <a:p>
             <a:pPr algn="ctr"/>
             <a:r>
-              <a:rPr lang="en-US" sz="1000" dirty="0">
-                <a:latin typeface="Calibri Light" panose="020F0302020204030204" pitchFamily="34" charset="0"/>
-                <a:cs typeface="Calibri Light" panose="020F0302020204030204" pitchFamily="34" charset="0"/>
+              <a:rPr lang="en-US" sz="900" dirty="0">
+                <a:latin typeface="Times New Roman" panose="02020603050405020304" pitchFamily="18" charset="0"/>
+                <a:cs typeface="Times New Roman" panose="02020603050405020304" pitchFamily="18" charset="0"/>
               </a:rPr>
               <a:t>(n = 25); Springer </a:t>
             </a:r>
@@ -4409,9 +4436,9 @@
           <a:p>
             <a:pPr algn="ctr"/>
             <a:r>
-              <a:rPr lang="en-US" sz="1000" dirty="0">
-                <a:latin typeface="Calibri Light" panose="020F0302020204030204" pitchFamily="34" charset="0"/>
-                <a:cs typeface="Calibri Light" panose="020F0302020204030204" pitchFamily="34" charset="0"/>
+              <a:rPr lang="en-US" sz="900" dirty="0">
+                <a:latin typeface="Times New Roman" panose="02020603050405020304" pitchFamily="18" charset="0"/>
+                <a:cs typeface="Times New Roman" panose="02020603050405020304" pitchFamily="18" charset="0"/>
               </a:rPr>
               <a:t>(n = 23); Wiley (n = 14)</a:t>
             </a:r>
@@ -4815,7 +4842,7 @@
               <a:defRPr/>
             </a:pPr>
             <a:r>
-              <a:rPr kumimoji="0" lang="en-US" sz="900" b="1" i="0" u="none" strike="noStrike" kern="0" cap="none" spc="0" normalizeH="0" baseline="0" noProof="0">
+              <a:rPr kumimoji="0" lang="en-US" sz="900" b="1" u="none" strike="noStrike" kern="0" cap="none" spc="0" normalizeH="0" baseline="0" noProof="0" dirty="0">
                 <a:ln>
                   <a:noFill/>
                 </a:ln>
@@ -4825,13 +4852,13 @@
                 <a:effectLst/>
                 <a:uLnTx/>
                 <a:uFillTx/>
-                <a:latin typeface="Arial" panose="020B0604020202020204" pitchFamily="34" charset="0"/>
+                <a:latin typeface="Times New Roman" panose="02020603050405020304" pitchFamily="18" charset="0"/>
                 <a:ea typeface="Calibri" panose="020F0502020204030204" pitchFamily="34" charset="0"/>
                 <a:cs typeface="Times New Roman" panose="02020603050405020304" pitchFamily="18" charset="0"/>
               </a:rPr>
               <a:t>Broadband Sustainability Research Review</a:t>
             </a:r>
-            <a:endParaRPr kumimoji="0" lang="en-US" sz="1100" b="0" i="0" u="none" strike="noStrike" kern="0" cap="none" spc="0" normalizeH="0" baseline="0" noProof="0">
+            <a:endParaRPr kumimoji="0" lang="en-US" sz="900" b="1" u="none" strike="noStrike" kern="0" cap="none" spc="0" normalizeH="0" baseline="0" noProof="0" dirty="0">
               <a:ln>
                 <a:noFill/>
               </a:ln>
@@ -4841,7 +4868,7 @@
               <a:effectLst/>
               <a:uLnTx/>
               <a:uFillTx/>
-              <a:latin typeface="Calibri" panose="020F0502020204030204"/>
+              <a:latin typeface="Times New Roman" panose="02020603050405020304" pitchFamily="18" charset="0"/>
               <a:ea typeface="Calibri" panose="020F0502020204030204" pitchFamily="34" charset="0"/>
               <a:cs typeface="Times New Roman" panose="02020603050405020304" pitchFamily="18" charset="0"/>
             </a:endParaRPr>

--- a/docs/broslire.pptx
+++ b/docs/broslire.pptx
@@ -254,7 +254,7 @@
           <a:p>
             <a:fld id="{A7073765-D2FF-7440-96F4-69A8AF1F347E}" type="datetimeFigureOut">
               <a:rPr lang="en-US" smtClean="0"/>
-              <a:t>10/14/24</a:t>
+              <a:t>11/29/24</a:t>
             </a:fld>
             <a:endParaRPr lang="en-US"/>
           </a:p>
@@ -424,7 +424,7 @@
           <a:p>
             <a:fld id="{A7073765-D2FF-7440-96F4-69A8AF1F347E}" type="datetimeFigureOut">
               <a:rPr lang="en-US" smtClean="0"/>
-              <a:t>10/14/24</a:t>
+              <a:t>11/29/24</a:t>
             </a:fld>
             <a:endParaRPr lang="en-US"/>
           </a:p>
@@ -604,7 +604,7 @@
           <a:p>
             <a:fld id="{A7073765-D2FF-7440-96F4-69A8AF1F347E}" type="datetimeFigureOut">
               <a:rPr lang="en-US" smtClean="0"/>
-              <a:t>10/14/24</a:t>
+              <a:t>11/29/24</a:t>
             </a:fld>
             <a:endParaRPr lang="en-US"/>
           </a:p>
@@ -774,7 +774,7 @@
           <a:p>
             <a:fld id="{A7073765-D2FF-7440-96F4-69A8AF1F347E}" type="datetimeFigureOut">
               <a:rPr lang="en-US" smtClean="0"/>
-              <a:t>10/14/24</a:t>
+              <a:t>11/29/24</a:t>
             </a:fld>
             <a:endParaRPr lang="en-US"/>
           </a:p>
@@ -1020,7 +1020,7 @@
           <a:p>
             <a:fld id="{A7073765-D2FF-7440-96F4-69A8AF1F347E}" type="datetimeFigureOut">
               <a:rPr lang="en-US" smtClean="0"/>
-              <a:t>10/14/24</a:t>
+              <a:t>11/29/24</a:t>
             </a:fld>
             <a:endParaRPr lang="en-US"/>
           </a:p>
@@ -1252,7 +1252,7 @@
           <a:p>
             <a:fld id="{A7073765-D2FF-7440-96F4-69A8AF1F347E}" type="datetimeFigureOut">
               <a:rPr lang="en-US" smtClean="0"/>
-              <a:t>10/14/24</a:t>
+              <a:t>11/29/24</a:t>
             </a:fld>
             <a:endParaRPr lang="en-US"/>
           </a:p>
@@ -1619,7 +1619,7 @@
           <a:p>
             <a:fld id="{A7073765-D2FF-7440-96F4-69A8AF1F347E}" type="datetimeFigureOut">
               <a:rPr lang="en-US" smtClean="0"/>
-              <a:t>10/14/24</a:t>
+              <a:t>11/29/24</a:t>
             </a:fld>
             <a:endParaRPr lang="en-US"/>
           </a:p>
@@ -1737,7 +1737,7 @@
           <a:p>
             <a:fld id="{A7073765-D2FF-7440-96F4-69A8AF1F347E}" type="datetimeFigureOut">
               <a:rPr lang="en-US" smtClean="0"/>
-              <a:t>10/14/24</a:t>
+              <a:t>11/29/24</a:t>
             </a:fld>
             <a:endParaRPr lang="en-US"/>
           </a:p>
@@ -1832,7 +1832,7 @@
           <a:p>
             <a:fld id="{A7073765-D2FF-7440-96F4-69A8AF1F347E}" type="datetimeFigureOut">
               <a:rPr lang="en-US" smtClean="0"/>
-              <a:t>10/14/24</a:t>
+              <a:t>11/29/24</a:t>
             </a:fld>
             <a:endParaRPr lang="en-US"/>
           </a:p>
@@ -2109,7 +2109,7 @@
           <a:p>
             <a:fld id="{A7073765-D2FF-7440-96F4-69A8AF1F347E}" type="datetimeFigureOut">
               <a:rPr lang="en-US" smtClean="0"/>
-              <a:t>10/14/24</a:t>
+              <a:t>11/29/24</a:t>
             </a:fld>
             <a:endParaRPr lang="en-US"/>
           </a:p>
@@ -2366,7 +2366,7 @@
           <a:p>
             <a:fld id="{A7073765-D2FF-7440-96F4-69A8AF1F347E}" type="datetimeFigureOut">
               <a:rPr lang="en-US" smtClean="0"/>
-              <a:t>10/14/24</a:t>
+              <a:t>11/29/24</a:t>
             </a:fld>
             <a:endParaRPr lang="en-US"/>
           </a:p>
@@ -2579,7 +2579,7 @@
           <a:p>
             <a:fld id="{A7073765-D2FF-7440-96F4-69A8AF1F347E}" type="datetimeFigureOut">
               <a:rPr lang="en-US" smtClean="0"/>
-              <a:t>10/14/24</a:t>
+              <a:t>11/29/24</a:t>
             </a:fld>
             <a:endParaRPr lang="en-US"/>
           </a:p>
@@ -3322,7 +3322,7 @@
         </p:nvCxnSpPr>
         <p:spPr>
           <a:xfrm>
-            <a:off x="1828802" y="3210233"/>
+            <a:off x="1871178" y="3235400"/>
             <a:ext cx="6410629" cy="0"/>
           </a:xfrm>
           <a:prstGeom prst="line">
@@ -3501,7 +3501,7 @@
                 <a:latin typeface="Times New Roman" panose="02020603050405020304" pitchFamily="18" charset="0"/>
                 <a:cs typeface="Times New Roman" panose="02020603050405020304" pitchFamily="18" charset="0"/>
               </a:rPr>
-              <a:t>Keyword, language and year filters applied): </a:t>
+              <a:t>Keyword and language and filters applied): </a:t>
             </a:r>
           </a:p>
           <a:p>
@@ -3511,7 +3511,7 @@
                 <a:latin typeface="Times New Roman" panose="02020603050405020304" pitchFamily="18" charset="0"/>
                 <a:cs typeface="Times New Roman" panose="02020603050405020304" pitchFamily="18" charset="0"/>
               </a:rPr>
-              <a:t>Elsevier (n = 62); IEEE (n = 32); Springer (n = 29); Wiley (n = 22),</a:t>
+              <a:t>Elsevier (n = 136); IEEE (n = 32); Springer (n = 29); Wiley (n = 22),</a:t>
             </a:r>
           </a:p>
           <a:p>
@@ -3521,7 +3521,7 @@
                 <a:latin typeface="Times New Roman" panose="02020603050405020304" pitchFamily="18" charset="0"/>
                 <a:cs typeface="Times New Roman" panose="02020603050405020304" pitchFamily="18" charset="0"/>
               </a:rPr>
-              <a:t>Overall = 145</a:t>
+              <a:t>Overall = 219</a:t>
             </a:r>
           </a:p>
         </p:txBody>
@@ -3591,8 +3591,8 @@
         </p:nvSpPr>
         <p:spPr>
           <a:xfrm>
-            <a:off x="6252080" y="851525"/>
-            <a:ext cx="1858202" cy="646331"/>
+            <a:off x="6271316" y="851525"/>
+            <a:ext cx="1819730" cy="646331"/>
           </a:xfrm>
           <a:prstGeom prst="rect">
             <a:avLst/>
@@ -3611,7 +3611,7 @@
                 <a:latin typeface="Times New Roman" panose="02020603050405020304" pitchFamily="18" charset="0"/>
                 <a:cs typeface="Times New Roman" panose="02020603050405020304" pitchFamily="18" charset="0"/>
               </a:rPr>
-              <a:t>Records Removed before screening </a:t>
+              <a:t>Records removed before screening </a:t>
             </a:r>
           </a:p>
           <a:p>
@@ -3621,7 +3621,7 @@
                 <a:latin typeface="Times New Roman" panose="02020603050405020304" pitchFamily="18" charset="0"/>
                 <a:cs typeface="Times New Roman" panose="02020603050405020304" pitchFamily="18" charset="0"/>
               </a:rPr>
-              <a:t>(Review Articles, book chapters,</a:t>
+              <a:t>(Review articles, book chapters,</a:t>
             </a:r>
           </a:p>
           <a:p>
@@ -3631,7 +3631,7 @@
                 <a:latin typeface="Times New Roman" panose="02020603050405020304" pitchFamily="18" charset="0"/>
                 <a:cs typeface="Times New Roman" panose="02020603050405020304" pitchFamily="18" charset="0"/>
               </a:rPr>
-              <a:t>Editorial, Software publication):</a:t>
+              <a:t>editorial, software publication):</a:t>
             </a:r>
           </a:p>
           <a:p>
@@ -3641,7 +3641,7 @@
                 <a:latin typeface="Times New Roman" panose="02020603050405020304" pitchFamily="18" charset="0"/>
                 <a:cs typeface="Times New Roman" panose="02020603050405020304" pitchFamily="18" charset="0"/>
               </a:rPr>
-              <a:t>n = 21</a:t>
+              <a:t>n = 22</a:t>
             </a:r>
           </a:p>
         </p:txBody>
@@ -3751,7 +3751,7 @@
                 <a:latin typeface="Times New Roman" panose="02020603050405020304" pitchFamily="18" charset="0"/>
                 <a:cs typeface="Times New Roman" panose="02020603050405020304" pitchFamily="18" charset="0"/>
               </a:rPr>
-              <a:t>n = 123</a:t>
+              <a:t>n = 197</a:t>
             </a:r>
           </a:p>
         </p:txBody>
@@ -3861,7 +3861,7 @@
                 <a:latin typeface="Times New Roman" panose="02020603050405020304" pitchFamily="18" charset="0"/>
                 <a:cs typeface="Times New Roman" panose="02020603050405020304" pitchFamily="18" charset="0"/>
               </a:rPr>
-              <a:t>Application area):</a:t>
+              <a:t>application area):</a:t>
             </a:r>
           </a:p>
           <a:p>
@@ -4090,7 +4090,7 @@
                 <a:latin typeface="Times New Roman" panose="02020603050405020304" pitchFamily="18" charset="0"/>
                 <a:cs typeface="Times New Roman" panose="02020603050405020304" pitchFamily="18" charset="0"/>
               </a:rPr>
-              <a:t>Full-text Articles assessed</a:t>
+              <a:t>Full-text articles assessed</a:t>
             </a:r>
           </a:p>
           <a:p>
@@ -4100,7 +4100,7 @@
                 <a:latin typeface="Times New Roman" panose="02020603050405020304" pitchFamily="18" charset="0"/>
                 <a:cs typeface="Times New Roman" panose="02020603050405020304" pitchFamily="18" charset="0"/>
               </a:rPr>
-              <a:t>For eligibility:</a:t>
+              <a:t>for eligibility:</a:t>
             </a:r>
           </a:p>
           <a:p>
@@ -4110,7 +4110,7 @@
                 <a:latin typeface="Times New Roman" panose="02020603050405020304" pitchFamily="18" charset="0"/>
                 <a:cs typeface="Times New Roman" panose="02020603050405020304" pitchFamily="18" charset="0"/>
               </a:rPr>
-              <a:t>n = 116</a:t>
+              <a:t>n = 190</a:t>
             </a:r>
           </a:p>
         </p:txBody>
@@ -4210,7 +4210,7 @@
                 <a:latin typeface="Times New Roman" panose="02020603050405020304" pitchFamily="18" charset="0"/>
                 <a:cs typeface="Times New Roman" panose="02020603050405020304" pitchFamily="18" charset="0"/>
               </a:rPr>
-              <a:t>Therefore excluded:</a:t>
+              <a:t>therefore excluded:</a:t>
             </a:r>
           </a:p>
           <a:p>
@@ -4330,7 +4330,7 @@
                 <a:latin typeface="Times New Roman" panose="02020603050405020304" pitchFamily="18" charset="0"/>
                 <a:cs typeface="Times New Roman" panose="02020603050405020304" pitchFamily="18" charset="0"/>
               </a:rPr>
-              <a:t>n = 113</a:t>
+              <a:t>n = 187</a:t>
             </a:r>
           </a:p>
         </p:txBody>
@@ -4420,7 +4420,7 @@
                 <a:latin typeface="Times New Roman" panose="02020603050405020304" pitchFamily="18" charset="0"/>
                 <a:cs typeface="Times New Roman" panose="02020603050405020304" pitchFamily="18" charset="0"/>
               </a:rPr>
-              <a:t>Elsevier (n = 51); IEEE</a:t>
+              <a:t>Elsevier (n = 125); IEEE</a:t>
             </a:r>
           </a:p>
           <a:p>

--- a/docs/broslire.pptx
+++ b/docs/broslire.pptx
@@ -254,7 +254,7 @@
           <a:p>
             <a:fld id="{A7073765-D2FF-7440-96F4-69A8AF1F347E}" type="datetimeFigureOut">
               <a:rPr lang="en-US" smtClean="0"/>
-              <a:t>11/29/24</a:t>
+              <a:t>12/17/24</a:t>
             </a:fld>
             <a:endParaRPr lang="en-US"/>
           </a:p>
@@ -424,7 +424,7 @@
           <a:p>
             <a:fld id="{A7073765-D2FF-7440-96F4-69A8AF1F347E}" type="datetimeFigureOut">
               <a:rPr lang="en-US" smtClean="0"/>
-              <a:t>11/29/24</a:t>
+              <a:t>12/17/24</a:t>
             </a:fld>
             <a:endParaRPr lang="en-US"/>
           </a:p>
@@ -604,7 +604,7 @@
           <a:p>
             <a:fld id="{A7073765-D2FF-7440-96F4-69A8AF1F347E}" type="datetimeFigureOut">
               <a:rPr lang="en-US" smtClean="0"/>
-              <a:t>11/29/24</a:t>
+              <a:t>12/17/24</a:t>
             </a:fld>
             <a:endParaRPr lang="en-US"/>
           </a:p>
@@ -774,7 +774,7 @@
           <a:p>
             <a:fld id="{A7073765-D2FF-7440-96F4-69A8AF1F347E}" type="datetimeFigureOut">
               <a:rPr lang="en-US" smtClean="0"/>
-              <a:t>11/29/24</a:t>
+              <a:t>12/17/24</a:t>
             </a:fld>
             <a:endParaRPr lang="en-US"/>
           </a:p>
@@ -1020,7 +1020,7 @@
           <a:p>
             <a:fld id="{A7073765-D2FF-7440-96F4-69A8AF1F347E}" type="datetimeFigureOut">
               <a:rPr lang="en-US" smtClean="0"/>
-              <a:t>11/29/24</a:t>
+              <a:t>12/17/24</a:t>
             </a:fld>
             <a:endParaRPr lang="en-US"/>
           </a:p>
@@ -1252,7 +1252,7 @@
           <a:p>
             <a:fld id="{A7073765-D2FF-7440-96F4-69A8AF1F347E}" type="datetimeFigureOut">
               <a:rPr lang="en-US" smtClean="0"/>
-              <a:t>11/29/24</a:t>
+              <a:t>12/17/24</a:t>
             </a:fld>
             <a:endParaRPr lang="en-US"/>
           </a:p>
@@ -1619,7 +1619,7 @@
           <a:p>
             <a:fld id="{A7073765-D2FF-7440-96F4-69A8AF1F347E}" type="datetimeFigureOut">
               <a:rPr lang="en-US" smtClean="0"/>
-              <a:t>11/29/24</a:t>
+              <a:t>12/17/24</a:t>
             </a:fld>
             <a:endParaRPr lang="en-US"/>
           </a:p>
@@ -1737,7 +1737,7 @@
           <a:p>
             <a:fld id="{A7073765-D2FF-7440-96F4-69A8AF1F347E}" type="datetimeFigureOut">
               <a:rPr lang="en-US" smtClean="0"/>
-              <a:t>11/29/24</a:t>
+              <a:t>12/17/24</a:t>
             </a:fld>
             <a:endParaRPr lang="en-US"/>
           </a:p>
@@ -1832,7 +1832,7 @@
           <a:p>
             <a:fld id="{A7073765-D2FF-7440-96F4-69A8AF1F347E}" type="datetimeFigureOut">
               <a:rPr lang="en-US" smtClean="0"/>
-              <a:t>11/29/24</a:t>
+              <a:t>12/17/24</a:t>
             </a:fld>
             <a:endParaRPr lang="en-US"/>
           </a:p>
@@ -2109,7 +2109,7 @@
           <a:p>
             <a:fld id="{A7073765-D2FF-7440-96F4-69A8AF1F347E}" type="datetimeFigureOut">
               <a:rPr lang="en-US" smtClean="0"/>
-              <a:t>11/29/24</a:t>
+              <a:t>12/17/24</a:t>
             </a:fld>
             <a:endParaRPr lang="en-US"/>
           </a:p>
@@ -2366,7 +2366,7 @@
           <a:p>
             <a:fld id="{A7073765-D2FF-7440-96F4-69A8AF1F347E}" type="datetimeFigureOut">
               <a:rPr lang="en-US" smtClean="0"/>
-              <a:t>11/29/24</a:t>
+              <a:t>12/17/24</a:t>
             </a:fld>
             <a:endParaRPr lang="en-US"/>
           </a:p>
@@ -2579,7 +2579,7 @@
           <a:p>
             <a:fld id="{A7073765-D2FF-7440-96F4-69A8AF1F347E}" type="datetimeFigureOut">
               <a:rPr lang="en-US" smtClean="0"/>
-              <a:t>11/29/24</a:t>
+              <a:t>12/17/24</a:t>
             </a:fld>
             <a:endParaRPr lang="en-US"/>
           </a:p>
@@ -2998,8 +2998,8 @@
         </p:nvSpPr>
         <p:spPr>
           <a:xfrm rot="16200000">
-            <a:off x="1478669" y="907057"/>
-            <a:ext cx="1085494" cy="353961"/>
+            <a:off x="898059" y="1098701"/>
+            <a:ext cx="1141231" cy="353961"/>
           </a:xfrm>
           <a:prstGeom prst="roundRect">
             <a:avLst/>
@@ -3040,7 +3040,7 @@
           <a:p>
             <a:pPr algn="ctr"/>
             <a:r>
-              <a:rPr lang="en-US" sz="900" b="1" dirty="0">
+              <a:rPr lang="en-US" sz="1200" b="1" dirty="0">
                 <a:solidFill>
                   <a:schemeClr val="tx1"/>
                 </a:solidFill>
@@ -3066,7 +3066,7 @@
         </p:nvSpPr>
         <p:spPr>
           <a:xfrm rot="16200000">
-            <a:off x="1413407" y="2277638"/>
+            <a:off x="860665" y="2728022"/>
             <a:ext cx="1184756" cy="353961"/>
           </a:xfrm>
           <a:prstGeom prst="roundRect">
@@ -3108,7 +3108,7 @@
           <a:p>
             <a:pPr algn="ctr"/>
             <a:r>
-              <a:rPr lang="en-US" sz="900" b="1" dirty="0">
+              <a:rPr lang="en-US" sz="1200" b="1" dirty="0">
                 <a:solidFill>
                   <a:schemeClr val="tx1"/>
                 </a:solidFill>
@@ -3134,7 +3134,7 @@
         </p:nvSpPr>
         <p:spPr>
           <a:xfrm rot="16200000">
-            <a:off x="1413403" y="3849297"/>
+            <a:off x="860661" y="4299681"/>
             <a:ext cx="1184763" cy="353961"/>
           </a:xfrm>
           <a:prstGeom prst="roundRect">
@@ -3176,7 +3176,7 @@
           <a:p>
             <a:pPr algn="ctr"/>
             <a:r>
-              <a:rPr lang="en-US" sz="900" b="1" dirty="0">
+              <a:rPr lang="en-US" sz="1200" b="1" dirty="0">
                 <a:solidFill>
                   <a:schemeClr val="tx1"/>
                 </a:solidFill>
@@ -3202,7 +3202,7 @@
         </p:nvSpPr>
         <p:spPr>
           <a:xfrm rot="16200000">
-            <a:off x="1413396" y="5420966"/>
+            <a:off x="860654" y="5871350"/>
             <a:ext cx="1184777" cy="353961"/>
           </a:xfrm>
           <a:prstGeom prst="roundRect">
@@ -3244,7 +3244,7 @@
           <a:p>
             <a:pPr algn="ctr"/>
             <a:r>
-              <a:rPr lang="en-US" sz="900" b="1" dirty="0">
+              <a:rPr lang="en-US" sz="1200" b="1" dirty="0">
                 <a:solidFill>
                   <a:schemeClr val="tx1"/>
                 </a:solidFill>
@@ -3272,8 +3272,8 @@
         </p:nvCxnSpPr>
         <p:spPr>
           <a:xfrm>
-            <a:off x="1828802" y="1691148"/>
-            <a:ext cx="6410629" cy="0"/>
+            <a:off x="1276061" y="2066465"/>
+            <a:ext cx="6963370" cy="0"/>
           </a:xfrm>
           <a:prstGeom prst="line">
             <a:avLst/>
@@ -3322,8 +3322,8 @@
         </p:nvCxnSpPr>
         <p:spPr>
           <a:xfrm>
-            <a:off x="1871178" y="3235400"/>
-            <a:ext cx="6410629" cy="0"/>
+            <a:off x="1276061" y="3685784"/>
+            <a:ext cx="7005746" cy="0"/>
           </a:xfrm>
           <a:prstGeom prst="line">
             <a:avLst/>
@@ -3372,8 +3372,8 @@
         </p:nvCxnSpPr>
         <p:spPr>
           <a:xfrm>
-            <a:off x="1828802" y="4822723"/>
-            <a:ext cx="6410629" cy="0"/>
+            <a:off x="1276061" y="5273107"/>
+            <a:ext cx="6963370" cy="0"/>
           </a:xfrm>
           <a:prstGeom prst="line">
             <a:avLst/>
@@ -3420,8 +3420,8 @@
         </p:nvSpPr>
         <p:spPr>
           <a:xfrm>
-            <a:off x="2524558" y="607363"/>
-            <a:ext cx="2703871" cy="1015664"/>
+            <a:off x="1836416" y="771138"/>
+            <a:ext cx="3392014" cy="1209207"/>
           </a:xfrm>
           <a:prstGeom prst="roundRect">
             <a:avLst/>
@@ -3471,8 +3471,8 @@
         </p:nvSpPr>
         <p:spPr>
           <a:xfrm>
-            <a:off x="2576051" y="617161"/>
-            <a:ext cx="2458065" cy="923330"/>
+            <a:off x="1905611" y="780937"/>
+            <a:ext cx="3260067" cy="1200329"/>
           </a:xfrm>
           <a:prstGeom prst="rect">
             <a:avLst/>
@@ -3487,7 +3487,7 @@
           <a:p>
             <a:pPr algn="ctr"/>
             <a:r>
-              <a:rPr lang="en-US" sz="900" dirty="0">
+              <a:rPr lang="en-US" sz="1200" dirty="0">
                 <a:latin typeface="Times New Roman" panose="02020603050405020304" pitchFamily="18" charset="0"/>
                 <a:cs typeface="Times New Roman" panose="02020603050405020304" pitchFamily="18" charset="0"/>
               </a:rPr>
@@ -3497,7 +3497,7 @@
           <a:p>
             <a:pPr algn="ctr"/>
             <a:r>
-              <a:rPr lang="en-US" sz="900" dirty="0">
+              <a:rPr lang="en-US" sz="1200" dirty="0">
                 <a:latin typeface="Times New Roman" panose="02020603050405020304" pitchFamily="18" charset="0"/>
                 <a:cs typeface="Times New Roman" panose="02020603050405020304" pitchFamily="18" charset="0"/>
               </a:rPr>
@@ -3507,7 +3507,7 @@
           <a:p>
             <a:pPr algn="ctr"/>
             <a:r>
-              <a:rPr lang="en-US" sz="900" dirty="0">
+              <a:rPr lang="en-US" sz="1200" dirty="0">
                 <a:latin typeface="Times New Roman" panose="02020603050405020304" pitchFamily="18" charset="0"/>
                 <a:cs typeface="Times New Roman" panose="02020603050405020304" pitchFamily="18" charset="0"/>
               </a:rPr>
@@ -3517,7 +3517,7 @@
           <a:p>
             <a:pPr algn="ctr"/>
             <a:r>
-              <a:rPr lang="en-US" sz="900" dirty="0">
+              <a:rPr lang="en-US" sz="1200" dirty="0">
                 <a:latin typeface="Times New Roman" panose="02020603050405020304" pitchFamily="18" charset="0"/>
                 <a:cs typeface="Times New Roman" panose="02020603050405020304" pitchFamily="18" charset="0"/>
               </a:rPr>
@@ -3540,8 +3540,8 @@
         </p:nvSpPr>
         <p:spPr>
           <a:xfrm>
-            <a:off x="6080556" y="607366"/>
-            <a:ext cx="2201251" cy="1015661"/>
+            <a:off x="6028730" y="771138"/>
+            <a:ext cx="2253077" cy="1209201"/>
           </a:xfrm>
           <a:prstGeom prst="roundRect">
             <a:avLst/>
@@ -3591,8 +3591,8 @@
         </p:nvSpPr>
         <p:spPr>
           <a:xfrm>
-            <a:off x="6271316" y="851525"/>
-            <a:ext cx="1819730" cy="646331"/>
+            <a:off x="5996402" y="1015301"/>
+            <a:ext cx="2369559" cy="830997"/>
           </a:xfrm>
           <a:prstGeom prst="rect">
             <a:avLst/>
@@ -3607,7 +3607,7 @@
           <a:p>
             <a:pPr algn="ctr"/>
             <a:r>
-              <a:rPr lang="en-US" sz="900" dirty="0">
+              <a:rPr lang="en-US" sz="1200" dirty="0">
                 <a:latin typeface="Times New Roman" panose="02020603050405020304" pitchFamily="18" charset="0"/>
                 <a:cs typeface="Times New Roman" panose="02020603050405020304" pitchFamily="18" charset="0"/>
               </a:rPr>
@@ -3617,7 +3617,7 @@
           <a:p>
             <a:pPr algn="ctr"/>
             <a:r>
-              <a:rPr lang="en-US" sz="900" dirty="0">
+              <a:rPr lang="en-US" sz="1200" dirty="0">
                 <a:latin typeface="Times New Roman" panose="02020603050405020304" pitchFamily="18" charset="0"/>
                 <a:cs typeface="Times New Roman" panose="02020603050405020304" pitchFamily="18" charset="0"/>
               </a:rPr>
@@ -3627,7 +3627,7 @@
           <a:p>
             <a:pPr algn="ctr"/>
             <a:r>
-              <a:rPr lang="en-US" sz="900" dirty="0">
+              <a:rPr lang="en-US" sz="1200" dirty="0">
                 <a:latin typeface="Times New Roman" panose="02020603050405020304" pitchFamily="18" charset="0"/>
                 <a:cs typeface="Times New Roman" panose="02020603050405020304" pitchFamily="18" charset="0"/>
               </a:rPr>
@@ -3637,7 +3637,7 @@
           <a:p>
             <a:pPr algn="ctr"/>
             <a:r>
-              <a:rPr lang="en-US" sz="900" dirty="0">
+              <a:rPr lang="en-US" sz="1200" dirty="0">
                 <a:latin typeface="Times New Roman" panose="02020603050405020304" pitchFamily="18" charset="0"/>
                 <a:cs typeface="Times New Roman" panose="02020603050405020304" pitchFamily="18" charset="0"/>
               </a:rPr>
@@ -3660,8 +3660,8 @@
         </p:nvSpPr>
         <p:spPr>
           <a:xfrm>
-            <a:off x="2531062" y="1868181"/>
-            <a:ext cx="1600599" cy="833167"/>
+            <a:off x="2118570" y="2318565"/>
+            <a:ext cx="2013091" cy="1050640"/>
           </a:xfrm>
           <a:prstGeom prst="roundRect">
             <a:avLst/>
@@ -3711,8 +3711,8 @@
         </p:nvSpPr>
         <p:spPr>
           <a:xfrm>
-            <a:off x="2793207" y="1926505"/>
-            <a:ext cx="1116217" cy="646331"/>
+            <a:off x="2242467" y="2445875"/>
+            <a:ext cx="1756039" cy="646331"/>
           </a:xfrm>
           <a:prstGeom prst="rect">
             <a:avLst/>
@@ -3727,7 +3727,7 @@
           <a:p>
             <a:pPr algn="ctr"/>
             <a:r>
-              <a:rPr lang="en-US" sz="900" dirty="0">
+              <a:rPr lang="en-US" sz="1200" dirty="0">
                 <a:latin typeface="Times New Roman" panose="02020603050405020304" pitchFamily="18" charset="0"/>
                 <a:cs typeface="Times New Roman" panose="02020603050405020304" pitchFamily="18" charset="0"/>
               </a:rPr>
@@ -3737,7 +3737,7 @@
           <a:p>
             <a:pPr algn="ctr"/>
             <a:r>
-              <a:rPr lang="en-US" sz="900" dirty="0">
+              <a:rPr lang="en-US" sz="1200" dirty="0">
                 <a:latin typeface="Times New Roman" panose="02020603050405020304" pitchFamily="18" charset="0"/>
                 <a:cs typeface="Times New Roman" panose="02020603050405020304" pitchFamily="18" charset="0"/>
               </a:rPr>
@@ -3747,7 +3747,7 @@
           <a:p>
             <a:pPr algn="ctr"/>
             <a:r>
-              <a:rPr lang="en-US" sz="900" dirty="0">
+              <a:rPr lang="en-US" sz="1200" dirty="0">
                 <a:latin typeface="Times New Roman" panose="02020603050405020304" pitchFamily="18" charset="0"/>
                 <a:cs typeface="Times New Roman" panose="02020603050405020304" pitchFamily="18" charset="0"/>
               </a:rPr>
@@ -3770,8 +3770,8 @@
         </p:nvSpPr>
         <p:spPr>
           <a:xfrm>
-            <a:off x="4397970" y="1868181"/>
-            <a:ext cx="1600600" cy="833167"/>
+            <a:off x="4397970" y="2318565"/>
+            <a:ext cx="1600600" cy="1050638"/>
           </a:xfrm>
           <a:prstGeom prst="roundRect">
             <a:avLst/>
@@ -3821,8 +3821,8 @@
         </p:nvSpPr>
         <p:spPr>
           <a:xfrm>
-            <a:off x="4673557" y="1946547"/>
-            <a:ext cx="1114408" cy="646331"/>
+            <a:off x="4469642" y="2396931"/>
+            <a:ext cx="1474616" cy="830997"/>
           </a:xfrm>
           <a:prstGeom prst="rect">
             <a:avLst/>
@@ -3830,14 +3830,14 @@
           <a:noFill/>
         </p:spPr>
         <p:txBody>
-          <a:bodyPr wrap="none" rtlCol="0">
+          <a:bodyPr wrap="square" rtlCol="0">
             <a:spAutoFit/>
           </a:bodyPr>
           <a:lstStyle/>
           <a:p>
             <a:pPr algn="ctr"/>
             <a:r>
-              <a:rPr lang="en-US" sz="900" dirty="0">
+              <a:rPr lang="en-US" sz="1200" dirty="0">
                 <a:latin typeface="Times New Roman" panose="02020603050405020304" pitchFamily="18" charset="0"/>
                 <a:cs typeface="Times New Roman" panose="02020603050405020304" pitchFamily="18" charset="0"/>
               </a:rPr>
@@ -3847,7 +3847,7 @@
           <a:p>
             <a:pPr algn="ctr"/>
             <a:r>
-              <a:rPr lang="en-US" sz="900" dirty="0">
+              <a:rPr lang="en-US" sz="1200" dirty="0">
                 <a:latin typeface="Times New Roman" panose="02020603050405020304" pitchFamily="18" charset="0"/>
                 <a:cs typeface="Times New Roman" panose="02020603050405020304" pitchFamily="18" charset="0"/>
               </a:rPr>
@@ -3857,7 +3857,7 @@
           <a:p>
             <a:pPr algn="ctr"/>
             <a:r>
-              <a:rPr lang="en-US" sz="900" dirty="0">
+              <a:rPr lang="en-US" sz="1200" dirty="0">
                 <a:latin typeface="Times New Roman" panose="02020603050405020304" pitchFamily="18" charset="0"/>
                 <a:cs typeface="Times New Roman" panose="02020603050405020304" pitchFamily="18" charset="0"/>
               </a:rPr>
@@ -3867,7 +3867,7 @@
           <a:p>
             <a:pPr algn="ctr"/>
             <a:r>
-              <a:rPr lang="en-US" sz="900" dirty="0">
+              <a:rPr lang="en-US" sz="1200" dirty="0">
                 <a:latin typeface="Times New Roman" panose="02020603050405020304" pitchFamily="18" charset="0"/>
                 <a:cs typeface="Times New Roman" panose="02020603050405020304" pitchFamily="18" charset="0"/>
               </a:rPr>
@@ -3890,8 +3890,8 @@
         </p:nvSpPr>
         <p:spPr>
           <a:xfrm>
-            <a:off x="6264879" y="1862258"/>
-            <a:ext cx="1895334" cy="833167"/>
+            <a:off x="6264879" y="2324277"/>
+            <a:ext cx="1895334" cy="1050641"/>
           </a:xfrm>
           <a:prstGeom prst="roundRect">
             <a:avLst/>
@@ -3941,8 +3941,8 @@
         </p:nvSpPr>
         <p:spPr>
           <a:xfrm>
-            <a:off x="6386474" y="1895457"/>
-            <a:ext cx="1895333" cy="784830"/>
+            <a:off x="6386474" y="2345841"/>
+            <a:ext cx="1895333" cy="1015663"/>
           </a:xfrm>
           <a:prstGeom prst="rect">
             <a:avLst/>
@@ -3957,7 +3957,7 @@
           <a:p>
             <a:pPr algn="ctr"/>
             <a:r>
-              <a:rPr lang="en-US" sz="900" dirty="0">
+              <a:rPr lang="en-US" sz="1200" dirty="0">
                 <a:latin typeface="Times New Roman" panose="02020603050405020304" pitchFamily="18" charset="0"/>
                 <a:cs typeface="Times New Roman" panose="02020603050405020304" pitchFamily="18" charset="0"/>
               </a:rPr>
@@ -3970,7 +3970,7 @@
               <a:buChar char="•"/>
             </a:pPr>
             <a:r>
-              <a:rPr lang="en-US" sz="900" dirty="0">
+              <a:rPr lang="en-US" sz="1200" dirty="0">
                 <a:latin typeface="Times New Roman" panose="02020603050405020304" pitchFamily="18" charset="0"/>
                 <a:cs typeface="Times New Roman" panose="02020603050405020304" pitchFamily="18" charset="0"/>
               </a:rPr>
@@ -3983,11 +3983,11 @@
               <a:buChar char="•"/>
             </a:pPr>
             <a:r>
-              <a:rPr lang="en-US" sz="900" dirty="0">
+              <a:rPr lang="en-US" sz="1200" dirty="0">
                 <a:latin typeface="Times New Roman" panose="02020603050405020304" pitchFamily="18" charset="0"/>
                 <a:cs typeface="Times New Roman" panose="02020603050405020304" pitchFamily="18" charset="0"/>
               </a:rPr>
-              <a:t>Unrelated broadband</a:t>
+              <a:t>Unrelated to broadband</a:t>
             </a:r>
           </a:p>
           <a:p>
@@ -3996,7 +3996,7 @@
               <a:buChar char="•"/>
             </a:pPr>
             <a:r>
-              <a:rPr lang="en-US" sz="900" dirty="0">
+              <a:rPr lang="en-US" sz="1200" dirty="0">
                 <a:latin typeface="Times New Roman" panose="02020603050405020304" pitchFamily="18" charset="0"/>
                 <a:cs typeface="Times New Roman" panose="02020603050405020304" pitchFamily="18" charset="0"/>
               </a:rPr>
@@ -4019,8 +4019,8 @@
         </p:nvSpPr>
         <p:spPr>
           <a:xfrm>
-            <a:off x="2524558" y="3437662"/>
-            <a:ext cx="1600599" cy="833167"/>
+            <a:off x="2118570" y="3888046"/>
+            <a:ext cx="2013091" cy="1032649"/>
           </a:xfrm>
           <a:prstGeom prst="roundRect">
             <a:avLst/>
@@ -4070,8 +4070,8 @@
         </p:nvSpPr>
         <p:spPr>
           <a:xfrm>
-            <a:off x="2554836" y="3639314"/>
-            <a:ext cx="1600598" cy="507831"/>
+            <a:off x="2201811" y="4088315"/>
+            <a:ext cx="1846609" cy="646331"/>
           </a:xfrm>
           <a:prstGeom prst="rect">
             <a:avLst/>
@@ -4086,7 +4086,7 @@
           <a:p>
             <a:pPr algn="ctr"/>
             <a:r>
-              <a:rPr lang="en-US" sz="900" dirty="0">
+              <a:rPr lang="en-US" sz="1200" dirty="0">
                 <a:latin typeface="Times New Roman" panose="02020603050405020304" pitchFamily="18" charset="0"/>
                 <a:cs typeface="Times New Roman" panose="02020603050405020304" pitchFamily="18" charset="0"/>
               </a:rPr>
@@ -4096,7 +4096,7 @@
           <a:p>
             <a:pPr algn="ctr"/>
             <a:r>
-              <a:rPr lang="en-US" sz="900" dirty="0">
+              <a:rPr lang="en-US" sz="1200" dirty="0">
                 <a:latin typeface="Times New Roman" panose="02020603050405020304" pitchFamily="18" charset="0"/>
                 <a:cs typeface="Times New Roman" panose="02020603050405020304" pitchFamily="18" charset="0"/>
               </a:rPr>
@@ -4106,7 +4106,7 @@
           <a:p>
             <a:pPr algn="ctr"/>
             <a:r>
-              <a:rPr lang="en-US" sz="900" dirty="0">
+              <a:rPr lang="en-US" sz="1200" dirty="0">
                 <a:latin typeface="Times New Roman" panose="02020603050405020304" pitchFamily="18" charset="0"/>
                 <a:cs typeface="Times New Roman" panose="02020603050405020304" pitchFamily="18" charset="0"/>
               </a:rPr>
@@ -4129,8 +4129,8 @@
         </p:nvSpPr>
         <p:spPr>
           <a:xfrm>
-            <a:off x="6491459" y="3444773"/>
-            <a:ext cx="1600599" cy="833167"/>
+            <a:off x="6264879" y="3895157"/>
+            <a:ext cx="1895334" cy="1032649"/>
           </a:xfrm>
           <a:prstGeom prst="roundRect">
             <a:avLst/>
@@ -4180,8 +4180,8 @@
         </p:nvSpPr>
         <p:spPr>
           <a:xfrm>
-            <a:off x="6535029" y="3584357"/>
-            <a:ext cx="1600598" cy="507831"/>
+            <a:off x="6386474" y="4034741"/>
+            <a:ext cx="1749153" cy="830997"/>
           </a:xfrm>
           <a:prstGeom prst="rect">
             <a:avLst/>
@@ -4196,7 +4196,7 @@
           <a:p>
             <a:pPr algn="ctr"/>
             <a:r>
-              <a:rPr lang="en-US" sz="900" dirty="0">
+              <a:rPr lang="en-US" sz="1200" dirty="0">
                 <a:latin typeface="Times New Roman" panose="02020603050405020304" pitchFamily="18" charset="0"/>
                 <a:cs typeface="Times New Roman" panose="02020603050405020304" pitchFamily="18" charset="0"/>
               </a:rPr>
@@ -4206,7 +4206,7 @@
           <a:p>
             <a:pPr algn="ctr"/>
             <a:r>
-              <a:rPr lang="en-US" sz="900" dirty="0">
+              <a:rPr lang="en-US" sz="1200" dirty="0">
                 <a:latin typeface="Times New Roman" panose="02020603050405020304" pitchFamily="18" charset="0"/>
                 <a:cs typeface="Times New Roman" panose="02020603050405020304" pitchFamily="18" charset="0"/>
               </a:rPr>
@@ -4216,7 +4216,7 @@
           <a:p>
             <a:pPr algn="ctr"/>
             <a:r>
-              <a:rPr lang="en-US" sz="900" dirty="0">
+              <a:rPr lang="en-US" sz="1200" dirty="0">
                 <a:latin typeface="Times New Roman" panose="02020603050405020304" pitchFamily="18" charset="0"/>
                 <a:cs typeface="Times New Roman" panose="02020603050405020304" pitchFamily="18" charset="0"/>
               </a:rPr>
@@ -4239,8 +4239,8 @@
         </p:nvSpPr>
         <p:spPr>
           <a:xfrm>
-            <a:off x="2524559" y="4999719"/>
-            <a:ext cx="1600599" cy="833167"/>
+            <a:off x="2118571" y="5450103"/>
+            <a:ext cx="2013090" cy="964309"/>
           </a:xfrm>
           <a:prstGeom prst="roundRect">
             <a:avLst/>
@@ -4290,8 +4290,8 @@
         </p:nvSpPr>
         <p:spPr>
           <a:xfrm>
-            <a:off x="2535801" y="5214495"/>
-            <a:ext cx="1600598" cy="507831"/>
+            <a:off x="2162386" y="5650354"/>
+            <a:ext cx="1925461" cy="646331"/>
           </a:xfrm>
           <a:prstGeom prst="rect">
             <a:avLst/>
@@ -4306,7 +4306,7 @@
           <a:p>
             <a:pPr algn="ctr"/>
             <a:r>
-              <a:rPr lang="en-US" sz="900" dirty="0">
+              <a:rPr lang="en-US" sz="1200" dirty="0">
                 <a:latin typeface="Times New Roman" panose="02020603050405020304" pitchFamily="18" charset="0"/>
                 <a:cs typeface="Times New Roman" panose="02020603050405020304" pitchFamily="18" charset="0"/>
               </a:rPr>
@@ -4316,7 +4316,7 @@
           <a:p>
             <a:pPr algn="ctr"/>
             <a:r>
-              <a:rPr lang="en-US" sz="900" dirty="0">
+              <a:rPr lang="en-US" sz="1200" dirty="0">
                 <a:latin typeface="Times New Roman" panose="02020603050405020304" pitchFamily="18" charset="0"/>
                 <a:cs typeface="Times New Roman" panose="02020603050405020304" pitchFamily="18" charset="0"/>
               </a:rPr>
@@ -4326,7 +4326,7 @@
           <a:p>
             <a:pPr algn="ctr"/>
             <a:r>
-              <a:rPr lang="en-US" sz="900" dirty="0">
+              <a:rPr lang="en-US" sz="1200" dirty="0">
                 <a:latin typeface="Times New Roman" panose="02020603050405020304" pitchFamily="18" charset="0"/>
                 <a:cs typeface="Times New Roman" panose="02020603050405020304" pitchFamily="18" charset="0"/>
               </a:rPr>
@@ -4349,8 +4349,8 @@
         </p:nvSpPr>
         <p:spPr>
           <a:xfrm>
-            <a:off x="6491461" y="4999719"/>
-            <a:ext cx="1600599" cy="833167"/>
+            <a:off x="6264879" y="5450107"/>
+            <a:ext cx="1895334" cy="964300"/>
           </a:xfrm>
           <a:prstGeom prst="roundRect">
             <a:avLst/>
@@ -4400,8 +4400,8 @@
         </p:nvSpPr>
         <p:spPr>
           <a:xfrm>
-            <a:off x="6480220" y="5139303"/>
-            <a:ext cx="1600598" cy="507831"/>
+            <a:off x="6325737" y="5589687"/>
+            <a:ext cx="1755081" cy="646331"/>
           </a:xfrm>
           <a:prstGeom prst="rect">
             <a:avLst/>
@@ -4416,7 +4416,7 @@
           <a:p>
             <a:pPr algn="ctr"/>
             <a:r>
-              <a:rPr lang="en-US" sz="900" dirty="0">
+              <a:rPr lang="en-US" sz="1200" dirty="0">
                 <a:latin typeface="Times New Roman" panose="02020603050405020304" pitchFamily="18" charset="0"/>
                 <a:cs typeface="Times New Roman" panose="02020603050405020304" pitchFamily="18" charset="0"/>
               </a:rPr>
@@ -4426,7 +4426,7 @@
           <a:p>
             <a:pPr algn="ctr"/>
             <a:r>
-              <a:rPr lang="en-US" sz="900" dirty="0">
+              <a:rPr lang="en-US" sz="1200" dirty="0">
                 <a:latin typeface="Times New Roman" panose="02020603050405020304" pitchFamily="18" charset="0"/>
                 <a:cs typeface="Times New Roman" panose="02020603050405020304" pitchFamily="18" charset="0"/>
               </a:rPr>
@@ -4436,7 +4436,7 @@
           <a:p>
             <a:pPr algn="ctr"/>
             <a:r>
-              <a:rPr lang="en-US" sz="900" dirty="0">
+              <a:rPr lang="en-US" sz="1200" dirty="0">
                 <a:latin typeface="Times New Roman" panose="02020603050405020304" pitchFamily="18" charset="0"/>
                 <a:cs typeface="Times New Roman" panose="02020603050405020304" pitchFamily="18" charset="0"/>
               </a:rPr>
@@ -4455,15 +4455,16 @@
             </a:extLst>
           </p:cNvPr>
           <p:cNvCxnSpPr>
+            <a:cxnSpLocks/>
             <a:stCxn id="36" idx="3"/>
             <a:endCxn id="39" idx="1"/>
           </p:cNvCxnSpPr>
           <p:nvPr/>
         </p:nvCxnSpPr>
         <p:spPr>
-          <a:xfrm>
-            <a:off x="5228429" y="1115195"/>
-            <a:ext cx="852127" cy="2"/>
+          <a:xfrm flipV="1">
+            <a:off x="5228430" y="1375739"/>
+            <a:ext cx="800300" cy="3"/>
           </a:xfrm>
           <a:prstGeom prst="straightConnector1">
             <a:avLst/>
@@ -4505,8 +4506,8 @@
         </p:nvCxnSpPr>
         <p:spPr>
           <a:xfrm rot="5400000">
-            <a:off x="3481351" y="1473038"/>
-            <a:ext cx="245154" cy="545132"/>
+            <a:off x="3159660" y="1945802"/>
+            <a:ext cx="338220" cy="407307"/>
           </a:xfrm>
           <a:prstGeom prst="bentConnector3">
             <a:avLst/>
@@ -4540,15 +4541,16 @@
             </a:extLst>
           </p:cNvPr>
           <p:cNvCxnSpPr>
+            <a:cxnSpLocks/>
             <a:stCxn id="41" idx="3"/>
             <a:endCxn id="44" idx="1"/>
           </p:cNvCxnSpPr>
           <p:nvPr/>
         </p:nvCxnSpPr>
         <p:spPr>
-          <a:xfrm>
-            <a:off x="4131661" y="2284765"/>
-            <a:ext cx="266309" cy="0"/>
+          <a:xfrm flipV="1">
+            <a:off x="4131661" y="2843884"/>
+            <a:ext cx="266309" cy="1"/>
           </a:xfrm>
           <a:prstGeom prst="straightConnector1">
             <a:avLst/>
@@ -4582,15 +4584,16 @@
             </a:extLst>
           </p:cNvPr>
           <p:cNvCxnSpPr>
+            <a:cxnSpLocks/>
             <a:stCxn id="44" idx="3"/>
             <a:endCxn id="47" idx="1"/>
           </p:cNvCxnSpPr>
           <p:nvPr/>
         </p:nvCxnSpPr>
         <p:spPr>
-          <a:xfrm flipV="1">
-            <a:off x="5998570" y="2278842"/>
-            <a:ext cx="266309" cy="5923"/>
+          <a:xfrm>
+            <a:off x="5998570" y="2843884"/>
+            <a:ext cx="266309" cy="5714"/>
           </a:xfrm>
           <a:prstGeom prst="line">
             <a:avLst/>
@@ -4624,15 +4627,16 @@
             </a:extLst>
           </p:cNvPr>
           <p:cNvCxnSpPr>
+            <a:cxnSpLocks/>
             <a:stCxn id="41" idx="2"/>
             <a:endCxn id="49" idx="0"/>
           </p:cNvCxnSpPr>
           <p:nvPr/>
         </p:nvCxnSpPr>
         <p:spPr>
-          <a:xfrm flipH="1">
-            <a:off x="3324858" y="2701348"/>
-            <a:ext cx="6504" cy="736314"/>
+          <a:xfrm>
+            <a:off x="3125116" y="3369205"/>
+            <a:ext cx="0" cy="518841"/>
           </a:xfrm>
           <a:prstGeom prst="straightConnector1">
             <a:avLst/>
@@ -4666,6 +4670,7 @@
             </a:extLst>
           </p:cNvPr>
           <p:cNvCxnSpPr>
+            <a:cxnSpLocks/>
             <a:stCxn id="49" idx="3"/>
             <a:endCxn id="51" idx="1"/>
           </p:cNvCxnSpPr>
@@ -4673,8 +4678,8 @@
         </p:nvCxnSpPr>
         <p:spPr>
           <a:xfrm>
-            <a:off x="4125157" y="3854246"/>
-            <a:ext cx="2366302" cy="7111"/>
+            <a:off x="4131661" y="4404371"/>
+            <a:ext cx="2133218" cy="7111"/>
           </a:xfrm>
           <a:prstGeom prst="straightConnector1">
             <a:avLst/>
@@ -4708,6 +4713,7 @@
             </a:extLst>
           </p:cNvPr>
           <p:cNvCxnSpPr>
+            <a:cxnSpLocks/>
             <a:stCxn id="49" idx="2"/>
             <a:endCxn id="53" idx="0"/>
           </p:cNvCxnSpPr>
@@ -4715,8 +4721,8 @@
         </p:nvCxnSpPr>
         <p:spPr>
           <a:xfrm>
-            <a:off x="3324858" y="4270829"/>
-            <a:ext cx="1" cy="728890"/>
+            <a:off x="3125116" y="4920695"/>
+            <a:ext cx="0" cy="529408"/>
           </a:xfrm>
           <a:prstGeom prst="straightConnector1">
             <a:avLst/>
@@ -4750,14 +4756,16 @@
             </a:extLst>
           </p:cNvPr>
           <p:cNvCxnSpPr>
+            <a:cxnSpLocks/>
             <a:stCxn id="53" idx="3"/>
+            <a:endCxn id="55" idx="1"/>
           </p:cNvCxnSpPr>
           <p:nvPr/>
         </p:nvCxnSpPr>
         <p:spPr>
           <a:xfrm flipV="1">
-            <a:off x="4125158" y="5416302"/>
-            <a:ext cx="2363973" cy="1"/>
+            <a:off x="4131661" y="5932257"/>
+            <a:ext cx="2133218" cy="1"/>
           </a:xfrm>
           <a:prstGeom prst="line">
             <a:avLst/>
@@ -4795,8 +4803,8 @@
         </p:nvSpPr>
         <p:spPr>
           <a:xfrm>
-            <a:off x="3351315" y="211195"/>
-            <a:ext cx="4344670" cy="262890"/>
+            <a:off x="1291693" y="211195"/>
+            <a:ext cx="6990113" cy="329464"/>
           </a:xfrm>
           <a:prstGeom prst="flowChartAlternateProcess">
             <a:avLst/>
@@ -4842,7 +4850,7 @@
               <a:defRPr/>
             </a:pPr>
             <a:r>
-              <a:rPr kumimoji="0" lang="en-US" sz="900" b="1" u="none" strike="noStrike" kern="0" cap="none" spc="0" normalizeH="0" baseline="0" noProof="0" dirty="0">
+              <a:rPr kumimoji="0" lang="en-US" sz="1400" b="1" u="none" strike="noStrike" kern="0" cap="none" spc="0" normalizeH="0" baseline="0" noProof="0" dirty="0">
                 <a:ln>
                   <a:noFill/>
                 </a:ln>
@@ -4858,7 +4866,7 @@
               </a:rPr>
               <a:t>Broadband Sustainability Research Review</a:t>
             </a:r>
-            <a:endParaRPr kumimoji="0" lang="en-US" sz="900" b="1" u="none" strike="noStrike" kern="0" cap="none" spc="0" normalizeH="0" baseline="0" noProof="0" dirty="0">
+            <a:endParaRPr kumimoji="0" lang="en-US" sz="1400" b="1" u="none" strike="noStrike" kern="0" cap="none" spc="0" normalizeH="0" baseline="0" noProof="0" dirty="0">
               <a:ln>
                 <a:noFill/>
               </a:ln>

--- a/docs/broslire.pptx
+++ b/docs/broslire.pptx
@@ -254,7 +254,7 @@
           <a:p>
             <a:fld id="{A7073765-D2FF-7440-96F4-69A8AF1F347E}" type="datetimeFigureOut">
               <a:rPr lang="en-US" smtClean="0"/>
-              <a:t>12/17/24</a:t>
+              <a:t>9/1/25</a:t>
             </a:fld>
             <a:endParaRPr lang="en-US"/>
           </a:p>
@@ -424,7 +424,7 @@
           <a:p>
             <a:fld id="{A7073765-D2FF-7440-96F4-69A8AF1F347E}" type="datetimeFigureOut">
               <a:rPr lang="en-US" smtClean="0"/>
-              <a:t>12/17/24</a:t>
+              <a:t>9/1/25</a:t>
             </a:fld>
             <a:endParaRPr lang="en-US"/>
           </a:p>
@@ -604,7 +604,7 @@
           <a:p>
             <a:fld id="{A7073765-D2FF-7440-96F4-69A8AF1F347E}" type="datetimeFigureOut">
               <a:rPr lang="en-US" smtClean="0"/>
-              <a:t>12/17/24</a:t>
+              <a:t>9/1/25</a:t>
             </a:fld>
             <a:endParaRPr lang="en-US"/>
           </a:p>
@@ -774,7 +774,7 @@
           <a:p>
             <a:fld id="{A7073765-D2FF-7440-96F4-69A8AF1F347E}" type="datetimeFigureOut">
               <a:rPr lang="en-US" smtClean="0"/>
-              <a:t>12/17/24</a:t>
+              <a:t>9/1/25</a:t>
             </a:fld>
             <a:endParaRPr lang="en-US"/>
           </a:p>
@@ -1020,7 +1020,7 @@
           <a:p>
             <a:fld id="{A7073765-D2FF-7440-96F4-69A8AF1F347E}" type="datetimeFigureOut">
               <a:rPr lang="en-US" smtClean="0"/>
-              <a:t>12/17/24</a:t>
+              <a:t>9/1/25</a:t>
             </a:fld>
             <a:endParaRPr lang="en-US"/>
           </a:p>
@@ -1252,7 +1252,7 @@
           <a:p>
             <a:fld id="{A7073765-D2FF-7440-96F4-69A8AF1F347E}" type="datetimeFigureOut">
               <a:rPr lang="en-US" smtClean="0"/>
-              <a:t>12/17/24</a:t>
+              <a:t>9/1/25</a:t>
             </a:fld>
             <a:endParaRPr lang="en-US"/>
           </a:p>
@@ -1619,7 +1619,7 @@
           <a:p>
             <a:fld id="{A7073765-D2FF-7440-96F4-69A8AF1F347E}" type="datetimeFigureOut">
               <a:rPr lang="en-US" smtClean="0"/>
-              <a:t>12/17/24</a:t>
+              <a:t>9/1/25</a:t>
             </a:fld>
             <a:endParaRPr lang="en-US"/>
           </a:p>
@@ -1737,7 +1737,7 @@
           <a:p>
             <a:fld id="{A7073765-D2FF-7440-96F4-69A8AF1F347E}" type="datetimeFigureOut">
               <a:rPr lang="en-US" smtClean="0"/>
-              <a:t>12/17/24</a:t>
+              <a:t>9/1/25</a:t>
             </a:fld>
             <a:endParaRPr lang="en-US"/>
           </a:p>
@@ -1832,7 +1832,7 @@
           <a:p>
             <a:fld id="{A7073765-D2FF-7440-96F4-69A8AF1F347E}" type="datetimeFigureOut">
               <a:rPr lang="en-US" smtClean="0"/>
-              <a:t>12/17/24</a:t>
+              <a:t>9/1/25</a:t>
             </a:fld>
             <a:endParaRPr lang="en-US"/>
           </a:p>
@@ -2109,7 +2109,7 @@
           <a:p>
             <a:fld id="{A7073765-D2FF-7440-96F4-69A8AF1F347E}" type="datetimeFigureOut">
               <a:rPr lang="en-US" smtClean="0"/>
-              <a:t>12/17/24</a:t>
+              <a:t>9/1/25</a:t>
             </a:fld>
             <a:endParaRPr lang="en-US"/>
           </a:p>
@@ -2366,7 +2366,7 @@
           <a:p>
             <a:fld id="{A7073765-D2FF-7440-96F4-69A8AF1F347E}" type="datetimeFigureOut">
               <a:rPr lang="en-US" smtClean="0"/>
-              <a:t>12/17/24</a:t>
+              <a:t>9/1/25</a:t>
             </a:fld>
             <a:endParaRPr lang="en-US"/>
           </a:p>
@@ -2579,7 +2579,7 @@
           <a:p>
             <a:fld id="{A7073765-D2FF-7440-96F4-69A8AF1F347E}" type="datetimeFigureOut">
               <a:rPr lang="en-US" smtClean="0"/>
-              <a:t>12/17/24</a:t>
+              <a:t>9/1/25</a:t>
             </a:fld>
             <a:endParaRPr lang="en-US"/>
           </a:p>
@@ -4864,7 +4864,7 @@
                 <a:ea typeface="Calibri" panose="020F0502020204030204" pitchFamily="34" charset="0"/>
                 <a:cs typeface="Times New Roman" panose="02020603050405020304" pitchFamily="18" charset="0"/>
               </a:rPr>
-              <a:t>Broadband Sustainability Research Review</a:t>
+              <a:t>Literature Review Workflow</a:t>
             </a:r>
             <a:endParaRPr kumimoji="0" lang="en-US" sz="1400" b="1" u="none" strike="noStrike" kern="0" cap="none" spc="0" normalizeH="0" baseline="0" noProof="0" dirty="0">
               <a:ln>
